--- a/201911291638_读网易事件有感/劳动法图例.pptx
+++ b/201911291638_读网易事件有感/劳动法图例.pptx
@@ -2,18 +2,19 @@
 <file path=ppt/presentation.xml><?xml version="1.0" encoding="utf-8"?>
 <p:presentation xmlns:a="http://schemas.openxmlformats.org/drawingml/2006/main" xmlns:r="http://schemas.openxmlformats.org/officeDocument/2006/relationships" xmlns:p="http://schemas.openxmlformats.org/presentationml/2006/main" saveSubsetFonts="1">
   <p:sldMasterIdLst>
-    <p:sldMasterId id="2147483648" r:id="rId1"/>
+    <p:sldMasterId id="2147483660" r:id="rId1"/>
   </p:sldMasterIdLst>
   <p:sldIdLst>
     <p:sldId id="256" r:id="rId2"/>
+    <p:sldId id="257" r:id="rId3"/>
   </p:sldIdLst>
-  <p:sldSz cx="12192000" cy="6858000"/>
+  <p:sldSz cx="6858000" cy="12192000"/>
   <p:notesSz cx="6858000" cy="9144000"/>
   <p:defaultTextStyle>
     <a:defPPr>
-      <a:defRPr lang="zh-CN"/>
+      <a:defRPr lang="en-US"/>
     </a:defPPr>
-    <a:lvl1pPr marL="0" algn="l" defTabSz="914400" rtl="0" eaLnBrk="1" latinLnBrk="0" hangingPunct="1">
+    <a:lvl1pPr marL="0" algn="l" defTabSz="457200" rtl="0" eaLnBrk="1" latinLnBrk="0" hangingPunct="1">
       <a:defRPr sz="1800" kern="1200">
         <a:solidFill>
           <a:schemeClr val="tx1"/>
@@ -23,7 +24,7 @@
         <a:cs typeface="+mn-cs"/>
       </a:defRPr>
     </a:lvl1pPr>
-    <a:lvl2pPr marL="457200" algn="l" defTabSz="914400" rtl="0" eaLnBrk="1" latinLnBrk="0" hangingPunct="1">
+    <a:lvl2pPr marL="457200" algn="l" defTabSz="457200" rtl="0" eaLnBrk="1" latinLnBrk="0" hangingPunct="1">
       <a:defRPr sz="1800" kern="1200">
         <a:solidFill>
           <a:schemeClr val="tx1"/>
@@ -33,7 +34,7 @@
         <a:cs typeface="+mn-cs"/>
       </a:defRPr>
     </a:lvl2pPr>
-    <a:lvl3pPr marL="914400" algn="l" defTabSz="914400" rtl="0" eaLnBrk="1" latinLnBrk="0" hangingPunct="1">
+    <a:lvl3pPr marL="914400" algn="l" defTabSz="457200" rtl="0" eaLnBrk="1" latinLnBrk="0" hangingPunct="1">
       <a:defRPr sz="1800" kern="1200">
         <a:solidFill>
           <a:schemeClr val="tx1"/>
@@ -43,7 +44,7 @@
         <a:cs typeface="+mn-cs"/>
       </a:defRPr>
     </a:lvl3pPr>
-    <a:lvl4pPr marL="1371600" algn="l" defTabSz="914400" rtl="0" eaLnBrk="1" latinLnBrk="0" hangingPunct="1">
+    <a:lvl4pPr marL="1371600" algn="l" defTabSz="457200" rtl="0" eaLnBrk="1" latinLnBrk="0" hangingPunct="1">
       <a:defRPr sz="1800" kern="1200">
         <a:solidFill>
           <a:schemeClr val="tx1"/>
@@ -53,7 +54,7 @@
         <a:cs typeface="+mn-cs"/>
       </a:defRPr>
     </a:lvl4pPr>
-    <a:lvl5pPr marL="1828800" algn="l" defTabSz="914400" rtl="0" eaLnBrk="1" latinLnBrk="0" hangingPunct="1">
+    <a:lvl5pPr marL="1828800" algn="l" defTabSz="457200" rtl="0" eaLnBrk="1" latinLnBrk="0" hangingPunct="1">
       <a:defRPr sz="1800" kern="1200">
         <a:solidFill>
           <a:schemeClr val="tx1"/>
@@ -63,7 +64,7 @@
         <a:cs typeface="+mn-cs"/>
       </a:defRPr>
     </a:lvl5pPr>
-    <a:lvl6pPr marL="2286000" algn="l" defTabSz="914400" rtl="0" eaLnBrk="1" latinLnBrk="0" hangingPunct="1">
+    <a:lvl6pPr marL="2286000" algn="l" defTabSz="457200" rtl="0" eaLnBrk="1" latinLnBrk="0" hangingPunct="1">
       <a:defRPr sz="1800" kern="1200">
         <a:solidFill>
           <a:schemeClr val="tx1"/>
@@ -73,7 +74,7 @@
         <a:cs typeface="+mn-cs"/>
       </a:defRPr>
     </a:lvl6pPr>
-    <a:lvl7pPr marL="2743200" algn="l" defTabSz="914400" rtl="0" eaLnBrk="1" latinLnBrk="0" hangingPunct="1">
+    <a:lvl7pPr marL="2743200" algn="l" defTabSz="457200" rtl="0" eaLnBrk="1" latinLnBrk="0" hangingPunct="1">
       <a:defRPr sz="1800" kern="1200">
         <a:solidFill>
           <a:schemeClr val="tx1"/>
@@ -83,7 +84,7 @@
         <a:cs typeface="+mn-cs"/>
       </a:defRPr>
     </a:lvl7pPr>
-    <a:lvl8pPr marL="3200400" algn="l" defTabSz="914400" rtl="0" eaLnBrk="1" latinLnBrk="0" hangingPunct="1">
+    <a:lvl8pPr marL="3200400" algn="l" defTabSz="457200" rtl="0" eaLnBrk="1" latinLnBrk="0" hangingPunct="1">
       <a:defRPr sz="1800" kern="1200">
         <a:solidFill>
           <a:schemeClr val="tx1"/>
@@ -93,7 +94,7 @@
         <a:cs typeface="+mn-cs"/>
       </a:defRPr>
     </a:lvl8pPr>
-    <a:lvl9pPr marL="3657600" algn="l" defTabSz="914400" rtl="0" eaLnBrk="1" latinLnBrk="0" hangingPunct="1">
+    <a:lvl9pPr marL="3657600" algn="l" defTabSz="457200" rtl="0" eaLnBrk="1" latinLnBrk="0" hangingPunct="1">
       <a:defRPr sz="1800" kern="1200">
         <a:solidFill>
           <a:schemeClr val="tx1"/>
@@ -104,6 +105,11 @@
       </a:defRPr>
     </a:lvl9pPr>
   </p:defaultTextStyle>
+  <p:extLst>
+    <p:ext uri="{EFAFB233-063F-42B5-8137-9DF3F51BA10A}">
+      <p15:sldGuideLst xmlns:p15="http://schemas.microsoft.com/office/powerpoint/2012/main"/>
+    </p:ext>
+  </p:extLst>
 </p:presentation>
 </file>
 
@@ -126,13 +132,7 @@
       </p:grpSpPr>
       <p:sp>
         <p:nvSpPr>
-          <p:cNvPr id="2" name="标题 1">
-            <a:extLst>
-              <a:ext uri="{FF2B5EF4-FFF2-40B4-BE49-F238E27FC236}">
-                <a16:creationId xmlns:a16="http://schemas.microsoft.com/office/drawing/2014/main" id="{B86AD86A-68BB-405E-AF2D-2AE5B48BEED3}"/>
-              </a:ext>
-            </a:extLst>
-          </p:cNvPr>
+          <p:cNvPr id="2" name="Title 1"/>
           <p:cNvSpPr>
             <a:spLocks noGrp="1"/>
           </p:cNvSpPr>
@@ -142,15 +142,15 @@
         </p:nvSpPr>
         <p:spPr>
           <a:xfrm>
-            <a:off x="1524000" y="1122363"/>
-            <a:ext cx="9144000" cy="2387600"/>
+            <a:off x="514350" y="1995312"/>
+            <a:ext cx="5829300" cy="4244622"/>
           </a:xfrm>
         </p:spPr>
         <p:txBody>
           <a:bodyPr anchor="b"/>
           <a:lstStyle>
             <a:lvl1pPr algn="ctr">
-              <a:defRPr sz="6000"/>
+              <a:defRPr sz="4500"/>
             </a:lvl1pPr>
           </a:lstStyle>
           <a:p>
@@ -158,18 +158,13 @@
               <a:rPr lang="zh-CN" altLang="en-US"/>
               <a:t>单击此处编辑母版标题样式</a:t>
             </a:r>
-          </a:p>
-        </p:txBody>
-      </p:sp>
-      <p:sp>
-        <p:nvSpPr>
-          <p:cNvPr id="3" name="副标题 2">
-            <a:extLst>
-              <a:ext uri="{FF2B5EF4-FFF2-40B4-BE49-F238E27FC236}">
-                <a16:creationId xmlns:a16="http://schemas.microsoft.com/office/drawing/2014/main" id="{714D12D9-FF20-476A-A328-BE53AB8F30AD}"/>
-              </a:ext>
-            </a:extLst>
-          </p:cNvPr>
+            <a:endParaRPr lang="en-US" dirty="0"/>
+          </a:p>
+        </p:txBody>
+      </p:sp>
+      <p:sp>
+        <p:nvSpPr>
+          <p:cNvPr id="3" name="Subtitle 2"/>
           <p:cNvSpPr>
             <a:spLocks noGrp="1"/>
           </p:cNvSpPr>
@@ -179,8 +174,8 @@
         </p:nvSpPr>
         <p:spPr>
           <a:xfrm>
-            <a:off x="1524000" y="3602038"/>
-            <a:ext cx="9144000" cy="1655762"/>
+            <a:off x="857250" y="6403623"/>
+            <a:ext cx="5143500" cy="2943577"/>
           </a:xfrm>
         </p:spPr>
         <p:txBody>
@@ -188,39 +183,39 @@
           <a:lstStyle>
             <a:lvl1pPr marL="0" indent="0" algn="ctr">
               <a:buNone/>
-              <a:defRPr sz="2400"/>
+              <a:defRPr sz="1800"/>
             </a:lvl1pPr>
-            <a:lvl2pPr marL="457200" indent="0" algn="ctr">
-              <a:buNone/>
-              <a:defRPr sz="2000"/>
+            <a:lvl2pPr marL="342900" indent="0" algn="ctr">
+              <a:buNone/>
+              <a:defRPr sz="1500"/>
             </a:lvl2pPr>
-            <a:lvl3pPr marL="914400" indent="0" algn="ctr">
-              <a:buNone/>
-              <a:defRPr sz="1800"/>
+            <a:lvl3pPr marL="685800" indent="0" algn="ctr">
+              <a:buNone/>
+              <a:defRPr sz="1350"/>
             </a:lvl3pPr>
-            <a:lvl4pPr marL="1371600" indent="0" algn="ctr">
-              <a:buNone/>
-              <a:defRPr sz="1600"/>
+            <a:lvl4pPr marL="1028700" indent="0" algn="ctr">
+              <a:buNone/>
+              <a:defRPr sz="1200"/>
             </a:lvl4pPr>
-            <a:lvl5pPr marL="1828800" indent="0" algn="ctr">
-              <a:buNone/>
-              <a:defRPr sz="1600"/>
+            <a:lvl5pPr marL="1371600" indent="0" algn="ctr">
+              <a:buNone/>
+              <a:defRPr sz="1200"/>
             </a:lvl5pPr>
-            <a:lvl6pPr marL="2286000" indent="0" algn="ctr">
-              <a:buNone/>
-              <a:defRPr sz="1600"/>
+            <a:lvl6pPr marL="1714500" indent="0" algn="ctr">
+              <a:buNone/>
+              <a:defRPr sz="1200"/>
             </a:lvl6pPr>
-            <a:lvl7pPr marL="2743200" indent="0" algn="ctr">
-              <a:buNone/>
-              <a:defRPr sz="1600"/>
+            <a:lvl7pPr marL="2057400" indent="0" algn="ctr">
+              <a:buNone/>
+              <a:defRPr sz="1200"/>
             </a:lvl7pPr>
-            <a:lvl8pPr marL="3200400" indent="0" algn="ctr">
-              <a:buNone/>
-              <a:defRPr sz="1600"/>
+            <a:lvl8pPr marL="2400300" indent="0" algn="ctr">
+              <a:buNone/>
+              <a:defRPr sz="1200"/>
             </a:lvl8pPr>
-            <a:lvl9pPr marL="3657600" indent="0" algn="ctr">
-              <a:buNone/>
-              <a:defRPr sz="1600"/>
+            <a:lvl9pPr marL="2743200" indent="0" algn="ctr">
+              <a:buNone/>
+              <a:defRPr sz="1200"/>
             </a:lvl9pPr>
           </a:lstStyle>
           <a:p>
@@ -228,18 +223,13 @@
               <a:rPr lang="zh-CN" altLang="en-US"/>
               <a:t>单击此处编辑母版副标题样式</a:t>
             </a:r>
-          </a:p>
-        </p:txBody>
-      </p:sp>
-      <p:sp>
-        <p:nvSpPr>
-          <p:cNvPr id="4" name="日期占位符 3">
-            <a:extLst>
-              <a:ext uri="{FF2B5EF4-FFF2-40B4-BE49-F238E27FC236}">
-                <a16:creationId xmlns:a16="http://schemas.microsoft.com/office/drawing/2014/main" id="{7BD5BB04-FF70-4CF0-B84C-44386A876509}"/>
-              </a:ext>
-            </a:extLst>
-          </p:cNvPr>
+            <a:endParaRPr lang="en-US" dirty="0"/>
+          </a:p>
+        </p:txBody>
+      </p:sp>
+      <p:sp>
+        <p:nvSpPr>
+          <p:cNvPr id="4" name="Date Placeholder 3"/>
           <p:cNvSpPr>
             <a:spLocks noGrp="1"/>
           </p:cNvSpPr>
@@ -254,7 +244,7 @@
           <a:p>
             <a:fld id="{C321EFB4-E963-41AF-9942-0B813FFD953A}" type="datetimeFigureOut">
               <a:rPr lang="zh-CN" altLang="en-US" smtClean="0"/>
-              <a:t>2019/11/29</a:t>
+              <a:t>2019/12/2</a:t>
             </a:fld>
             <a:endParaRPr lang="zh-CN" altLang="en-US"/>
           </a:p>
@@ -262,13 +252,7 @@
       </p:sp>
       <p:sp>
         <p:nvSpPr>
-          <p:cNvPr id="5" name="页脚占位符 4">
-            <a:extLst>
-              <a:ext uri="{FF2B5EF4-FFF2-40B4-BE49-F238E27FC236}">
-                <a16:creationId xmlns:a16="http://schemas.microsoft.com/office/drawing/2014/main" id="{2F24044A-E583-421D-B046-6549C4BB6107}"/>
-              </a:ext>
-            </a:extLst>
-          </p:cNvPr>
+          <p:cNvPr id="5" name="Footer Placeholder 4"/>
           <p:cNvSpPr>
             <a:spLocks noGrp="1"/>
           </p:cNvSpPr>
@@ -287,13 +271,7 @@
       </p:sp>
       <p:sp>
         <p:nvSpPr>
-          <p:cNvPr id="6" name="灯片编号占位符 5">
-            <a:extLst>
-              <a:ext uri="{FF2B5EF4-FFF2-40B4-BE49-F238E27FC236}">
-                <a16:creationId xmlns:a16="http://schemas.microsoft.com/office/drawing/2014/main" id="{DEE39B34-2B36-4CA4-A2C6-9992309BC81D}"/>
-              </a:ext>
-            </a:extLst>
-          </p:cNvPr>
+          <p:cNvPr id="6" name="Slide Number Placeholder 5"/>
           <p:cNvSpPr>
             <a:spLocks noGrp="1"/>
           </p:cNvSpPr>
@@ -317,7 +295,7 @@
     </p:spTree>
     <p:extLst>
       <p:ext uri="{BB962C8B-B14F-4D97-AF65-F5344CB8AC3E}">
-        <p14:creationId xmlns:p14="http://schemas.microsoft.com/office/powerpoint/2010/main" val="4035518815"/>
+        <p14:creationId xmlns:p14="http://schemas.microsoft.com/office/powerpoint/2010/main" val="4166096893"/>
       </p:ext>
     </p:extLst>
   </p:cSld>
@@ -346,13 +324,7 @@
       </p:grpSpPr>
       <p:sp>
         <p:nvSpPr>
-          <p:cNvPr id="2" name="标题 1">
-            <a:extLst>
-              <a:ext uri="{FF2B5EF4-FFF2-40B4-BE49-F238E27FC236}">
-                <a16:creationId xmlns:a16="http://schemas.microsoft.com/office/drawing/2014/main" id="{888AA9D7-B57D-43CD-A413-09F681D0E691}"/>
-              </a:ext>
-            </a:extLst>
-          </p:cNvPr>
+          <p:cNvPr id="2" name="Title 1"/>
           <p:cNvSpPr>
             <a:spLocks noGrp="1"/>
           </p:cNvSpPr>
@@ -369,18 +341,13 @@
               <a:rPr lang="zh-CN" altLang="en-US"/>
               <a:t>单击此处编辑母版标题样式</a:t>
             </a:r>
-          </a:p>
-        </p:txBody>
-      </p:sp>
-      <p:sp>
-        <p:nvSpPr>
-          <p:cNvPr id="3" name="竖排文字占位符 2">
-            <a:extLst>
-              <a:ext uri="{FF2B5EF4-FFF2-40B4-BE49-F238E27FC236}">
-                <a16:creationId xmlns:a16="http://schemas.microsoft.com/office/drawing/2014/main" id="{DCECD507-125C-416C-AA86-43FFE49C3F2C}"/>
-              </a:ext>
-            </a:extLst>
-          </p:cNvPr>
+            <a:endParaRPr lang="en-US" dirty="0"/>
+          </a:p>
+        </p:txBody>
+      </p:sp>
+      <p:sp>
+        <p:nvSpPr>
+          <p:cNvPr id="3" name="Vertical Text Placeholder 2"/>
           <p:cNvSpPr>
             <a:spLocks noGrp="1"/>
           </p:cNvSpPr>
@@ -426,18 +393,13 @@
               <a:rPr lang="zh-CN" altLang="en-US"/>
               <a:t>五级</a:t>
             </a:r>
-          </a:p>
-        </p:txBody>
-      </p:sp>
-      <p:sp>
-        <p:nvSpPr>
-          <p:cNvPr id="4" name="日期占位符 3">
-            <a:extLst>
-              <a:ext uri="{FF2B5EF4-FFF2-40B4-BE49-F238E27FC236}">
-                <a16:creationId xmlns:a16="http://schemas.microsoft.com/office/drawing/2014/main" id="{184A8EF3-E860-40D0-8C78-2BBD132B4E4D}"/>
-              </a:ext>
-            </a:extLst>
-          </p:cNvPr>
+            <a:endParaRPr lang="en-US" dirty="0"/>
+          </a:p>
+        </p:txBody>
+      </p:sp>
+      <p:sp>
+        <p:nvSpPr>
+          <p:cNvPr id="4" name="Date Placeholder 3"/>
           <p:cNvSpPr>
             <a:spLocks noGrp="1"/>
           </p:cNvSpPr>
@@ -452,7 +414,7 @@
           <a:p>
             <a:fld id="{C321EFB4-E963-41AF-9942-0B813FFD953A}" type="datetimeFigureOut">
               <a:rPr lang="zh-CN" altLang="en-US" smtClean="0"/>
-              <a:t>2019/11/29</a:t>
+              <a:t>2019/12/2</a:t>
             </a:fld>
             <a:endParaRPr lang="zh-CN" altLang="en-US"/>
           </a:p>
@@ -460,13 +422,7 @@
       </p:sp>
       <p:sp>
         <p:nvSpPr>
-          <p:cNvPr id="5" name="页脚占位符 4">
-            <a:extLst>
-              <a:ext uri="{FF2B5EF4-FFF2-40B4-BE49-F238E27FC236}">
-                <a16:creationId xmlns:a16="http://schemas.microsoft.com/office/drawing/2014/main" id="{604F8556-D757-49AC-88BE-B90DC6EE81EE}"/>
-              </a:ext>
-            </a:extLst>
-          </p:cNvPr>
+          <p:cNvPr id="5" name="Footer Placeholder 4"/>
           <p:cNvSpPr>
             <a:spLocks noGrp="1"/>
           </p:cNvSpPr>
@@ -485,13 +441,7 @@
       </p:sp>
       <p:sp>
         <p:nvSpPr>
-          <p:cNvPr id="6" name="灯片编号占位符 5">
-            <a:extLst>
-              <a:ext uri="{FF2B5EF4-FFF2-40B4-BE49-F238E27FC236}">
-                <a16:creationId xmlns:a16="http://schemas.microsoft.com/office/drawing/2014/main" id="{603CDEA4-5270-4178-8912-8460CB14685C}"/>
-              </a:ext>
-            </a:extLst>
-          </p:cNvPr>
+          <p:cNvPr id="6" name="Slide Number Placeholder 5"/>
           <p:cNvSpPr>
             <a:spLocks noGrp="1"/>
           </p:cNvSpPr>
@@ -515,7 +465,7 @@
     </p:spTree>
     <p:extLst>
       <p:ext uri="{BB962C8B-B14F-4D97-AF65-F5344CB8AC3E}">
-        <p14:creationId xmlns:p14="http://schemas.microsoft.com/office/powerpoint/2010/main" val="2568226500"/>
+        <p14:creationId xmlns:p14="http://schemas.microsoft.com/office/powerpoint/2010/main" val="2144341997"/>
       </p:ext>
     </p:extLst>
   </p:cSld>
@@ -544,13 +494,7 @@
       </p:grpSpPr>
       <p:sp>
         <p:nvSpPr>
-          <p:cNvPr id="2" name="竖排标题 1">
-            <a:extLst>
-              <a:ext uri="{FF2B5EF4-FFF2-40B4-BE49-F238E27FC236}">
-                <a16:creationId xmlns:a16="http://schemas.microsoft.com/office/drawing/2014/main" id="{2B48D6BD-9BEE-4487-927C-B881631C0A3A}"/>
-              </a:ext>
-            </a:extLst>
-          </p:cNvPr>
+          <p:cNvPr id="2" name="Vertical Title 1"/>
           <p:cNvSpPr>
             <a:spLocks noGrp="1"/>
           </p:cNvSpPr>
@@ -560,8 +504,8 @@
         </p:nvSpPr>
         <p:spPr>
           <a:xfrm>
-            <a:off x="8724900" y="365125"/>
-            <a:ext cx="2628900" cy="5811838"/>
+            <a:off x="4907757" y="649111"/>
+            <a:ext cx="1478756" cy="10332156"/>
           </a:xfrm>
         </p:spPr>
         <p:txBody>
@@ -572,18 +516,13 @@
               <a:rPr lang="zh-CN" altLang="en-US"/>
               <a:t>单击此处编辑母版标题样式</a:t>
             </a:r>
-          </a:p>
-        </p:txBody>
-      </p:sp>
-      <p:sp>
-        <p:nvSpPr>
-          <p:cNvPr id="3" name="竖排文字占位符 2">
-            <a:extLst>
-              <a:ext uri="{FF2B5EF4-FFF2-40B4-BE49-F238E27FC236}">
-                <a16:creationId xmlns:a16="http://schemas.microsoft.com/office/drawing/2014/main" id="{C1FDCCD3-5C52-4E11-9A3C-17017B435CDD}"/>
-              </a:ext>
-            </a:extLst>
-          </p:cNvPr>
+            <a:endParaRPr lang="en-US" dirty="0"/>
+          </a:p>
+        </p:txBody>
+      </p:sp>
+      <p:sp>
+        <p:nvSpPr>
+          <p:cNvPr id="3" name="Vertical Text Placeholder 2"/>
           <p:cNvSpPr>
             <a:spLocks noGrp="1"/>
           </p:cNvSpPr>
@@ -593,8 +532,8 @@
         </p:nvSpPr>
         <p:spPr>
           <a:xfrm>
-            <a:off x="838200" y="365125"/>
-            <a:ext cx="7734300" cy="5811838"/>
+            <a:off x="471488" y="649111"/>
+            <a:ext cx="4350544" cy="10332156"/>
           </a:xfrm>
         </p:spPr>
         <p:txBody>
@@ -634,18 +573,13 @@
               <a:rPr lang="zh-CN" altLang="en-US"/>
               <a:t>五级</a:t>
             </a:r>
-          </a:p>
-        </p:txBody>
-      </p:sp>
-      <p:sp>
-        <p:nvSpPr>
-          <p:cNvPr id="4" name="日期占位符 3">
-            <a:extLst>
-              <a:ext uri="{FF2B5EF4-FFF2-40B4-BE49-F238E27FC236}">
-                <a16:creationId xmlns:a16="http://schemas.microsoft.com/office/drawing/2014/main" id="{EB8C28C9-36BF-425A-82E2-DCCCA0427883}"/>
-              </a:ext>
-            </a:extLst>
-          </p:cNvPr>
+            <a:endParaRPr lang="en-US" dirty="0"/>
+          </a:p>
+        </p:txBody>
+      </p:sp>
+      <p:sp>
+        <p:nvSpPr>
+          <p:cNvPr id="4" name="Date Placeholder 3"/>
           <p:cNvSpPr>
             <a:spLocks noGrp="1"/>
           </p:cNvSpPr>
@@ -660,7 +594,7 @@
           <a:p>
             <a:fld id="{C321EFB4-E963-41AF-9942-0B813FFD953A}" type="datetimeFigureOut">
               <a:rPr lang="zh-CN" altLang="en-US" smtClean="0"/>
-              <a:t>2019/11/29</a:t>
+              <a:t>2019/12/2</a:t>
             </a:fld>
             <a:endParaRPr lang="zh-CN" altLang="en-US"/>
           </a:p>
@@ -668,13 +602,7 @@
       </p:sp>
       <p:sp>
         <p:nvSpPr>
-          <p:cNvPr id="5" name="页脚占位符 4">
-            <a:extLst>
-              <a:ext uri="{FF2B5EF4-FFF2-40B4-BE49-F238E27FC236}">
-                <a16:creationId xmlns:a16="http://schemas.microsoft.com/office/drawing/2014/main" id="{03FDB8D7-1DD5-431E-983D-359B8A32BFE4}"/>
-              </a:ext>
-            </a:extLst>
-          </p:cNvPr>
+          <p:cNvPr id="5" name="Footer Placeholder 4"/>
           <p:cNvSpPr>
             <a:spLocks noGrp="1"/>
           </p:cNvSpPr>
@@ -693,13 +621,7 @@
       </p:sp>
       <p:sp>
         <p:nvSpPr>
-          <p:cNvPr id="6" name="灯片编号占位符 5">
-            <a:extLst>
-              <a:ext uri="{FF2B5EF4-FFF2-40B4-BE49-F238E27FC236}">
-                <a16:creationId xmlns:a16="http://schemas.microsoft.com/office/drawing/2014/main" id="{629005B6-3FF0-460A-8B38-BCB0B159457A}"/>
-              </a:ext>
-            </a:extLst>
-          </p:cNvPr>
+          <p:cNvPr id="6" name="Slide Number Placeholder 5"/>
           <p:cNvSpPr>
             <a:spLocks noGrp="1"/>
           </p:cNvSpPr>
@@ -723,7 +645,7 @@
     </p:spTree>
     <p:extLst>
       <p:ext uri="{BB962C8B-B14F-4D97-AF65-F5344CB8AC3E}">
-        <p14:creationId xmlns:p14="http://schemas.microsoft.com/office/powerpoint/2010/main" val="90608028"/>
+        <p14:creationId xmlns:p14="http://schemas.microsoft.com/office/powerpoint/2010/main" val="3926812972"/>
       </p:ext>
     </p:extLst>
   </p:cSld>
@@ -752,13 +674,7 @@
       </p:grpSpPr>
       <p:sp>
         <p:nvSpPr>
-          <p:cNvPr id="2" name="标题 1">
-            <a:extLst>
-              <a:ext uri="{FF2B5EF4-FFF2-40B4-BE49-F238E27FC236}">
-                <a16:creationId xmlns:a16="http://schemas.microsoft.com/office/drawing/2014/main" id="{E059284C-971B-4F27-95F3-A3245362BD88}"/>
-              </a:ext>
-            </a:extLst>
-          </p:cNvPr>
+          <p:cNvPr id="2" name="Title 1"/>
           <p:cNvSpPr>
             <a:spLocks noGrp="1"/>
           </p:cNvSpPr>
@@ -775,18 +691,13 @@
               <a:rPr lang="zh-CN" altLang="en-US"/>
               <a:t>单击此处编辑母版标题样式</a:t>
             </a:r>
-          </a:p>
-        </p:txBody>
-      </p:sp>
-      <p:sp>
-        <p:nvSpPr>
-          <p:cNvPr id="3" name="内容占位符 2">
-            <a:extLst>
-              <a:ext uri="{FF2B5EF4-FFF2-40B4-BE49-F238E27FC236}">
-                <a16:creationId xmlns:a16="http://schemas.microsoft.com/office/drawing/2014/main" id="{9BA573D7-7B31-4981-B239-694715D0452D}"/>
-              </a:ext>
-            </a:extLst>
-          </p:cNvPr>
+            <a:endParaRPr lang="en-US" dirty="0"/>
+          </a:p>
+        </p:txBody>
+      </p:sp>
+      <p:sp>
+        <p:nvSpPr>
+          <p:cNvPr id="3" name="Content Placeholder 2"/>
           <p:cNvSpPr>
             <a:spLocks noGrp="1"/>
           </p:cNvSpPr>
@@ -832,18 +743,13 @@
               <a:rPr lang="zh-CN" altLang="en-US"/>
               <a:t>五级</a:t>
             </a:r>
-          </a:p>
-        </p:txBody>
-      </p:sp>
-      <p:sp>
-        <p:nvSpPr>
-          <p:cNvPr id="4" name="日期占位符 3">
-            <a:extLst>
-              <a:ext uri="{FF2B5EF4-FFF2-40B4-BE49-F238E27FC236}">
-                <a16:creationId xmlns:a16="http://schemas.microsoft.com/office/drawing/2014/main" id="{963C7629-7B2A-4C4A-9061-FB9E643BB54A}"/>
-              </a:ext>
-            </a:extLst>
-          </p:cNvPr>
+            <a:endParaRPr lang="en-US" dirty="0"/>
+          </a:p>
+        </p:txBody>
+      </p:sp>
+      <p:sp>
+        <p:nvSpPr>
+          <p:cNvPr id="4" name="Date Placeholder 3"/>
           <p:cNvSpPr>
             <a:spLocks noGrp="1"/>
           </p:cNvSpPr>
@@ -858,7 +764,7 @@
           <a:p>
             <a:fld id="{C321EFB4-E963-41AF-9942-0B813FFD953A}" type="datetimeFigureOut">
               <a:rPr lang="zh-CN" altLang="en-US" smtClean="0"/>
-              <a:t>2019/11/29</a:t>
+              <a:t>2019/12/2</a:t>
             </a:fld>
             <a:endParaRPr lang="zh-CN" altLang="en-US"/>
           </a:p>
@@ -866,13 +772,7 @@
       </p:sp>
       <p:sp>
         <p:nvSpPr>
-          <p:cNvPr id="5" name="页脚占位符 4">
-            <a:extLst>
-              <a:ext uri="{FF2B5EF4-FFF2-40B4-BE49-F238E27FC236}">
-                <a16:creationId xmlns:a16="http://schemas.microsoft.com/office/drawing/2014/main" id="{92D080F4-3B91-4740-84BE-AB5CA919BEB6}"/>
-              </a:ext>
-            </a:extLst>
-          </p:cNvPr>
+          <p:cNvPr id="5" name="Footer Placeholder 4"/>
           <p:cNvSpPr>
             <a:spLocks noGrp="1"/>
           </p:cNvSpPr>
@@ -891,13 +791,7 @@
       </p:sp>
       <p:sp>
         <p:nvSpPr>
-          <p:cNvPr id="6" name="灯片编号占位符 5">
-            <a:extLst>
-              <a:ext uri="{FF2B5EF4-FFF2-40B4-BE49-F238E27FC236}">
-                <a16:creationId xmlns:a16="http://schemas.microsoft.com/office/drawing/2014/main" id="{2AED7DEE-5020-4C60-85B9-310E147B0D98}"/>
-              </a:ext>
-            </a:extLst>
-          </p:cNvPr>
+          <p:cNvPr id="6" name="Slide Number Placeholder 5"/>
           <p:cNvSpPr>
             <a:spLocks noGrp="1"/>
           </p:cNvSpPr>
@@ -921,7 +815,7 @@
     </p:spTree>
     <p:extLst>
       <p:ext uri="{BB962C8B-B14F-4D97-AF65-F5344CB8AC3E}">
-        <p14:creationId xmlns:p14="http://schemas.microsoft.com/office/powerpoint/2010/main" val="2526681033"/>
+        <p14:creationId xmlns:p14="http://schemas.microsoft.com/office/powerpoint/2010/main" val="3828065178"/>
       </p:ext>
     </p:extLst>
   </p:cSld>
@@ -950,13 +844,7 @@
       </p:grpSpPr>
       <p:sp>
         <p:nvSpPr>
-          <p:cNvPr id="2" name="标题 1">
-            <a:extLst>
-              <a:ext uri="{FF2B5EF4-FFF2-40B4-BE49-F238E27FC236}">
-                <a16:creationId xmlns:a16="http://schemas.microsoft.com/office/drawing/2014/main" id="{DD9E27A4-4713-4DE0-AE22-EFE2AFE42121}"/>
-              </a:ext>
-            </a:extLst>
-          </p:cNvPr>
+          <p:cNvPr id="2" name="Title 1"/>
           <p:cNvSpPr>
             <a:spLocks noGrp="1"/>
           </p:cNvSpPr>
@@ -966,15 +854,15 @@
         </p:nvSpPr>
         <p:spPr>
           <a:xfrm>
-            <a:off x="831850" y="1709738"/>
-            <a:ext cx="10515600" cy="2852737"/>
+            <a:off x="467916" y="3039537"/>
+            <a:ext cx="5915025" cy="5071532"/>
           </a:xfrm>
         </p:spPr>
         <p:txBody>
           <a:bodyPr anchor="b"/>
           <a:lstStyle>
             <a:lvl1pPr>
-              <a:defRPr sz="6000"/>
+              <a:defRPr sz="4500"/>
             </a:lvl1pPr>
           </a:lstStyle>
           <a:p>
@@ -982,18 +870,13 @@
               <a:rPr lang="zh-CN" altLang="en-US"/>
               <a:t>单击此处编辑母版标题样式</a:t>
             </a:r>
-          </a:p>
-        </p:txBody>
-      </p:sp>
-      <p:sp>
-        <p:nvSpPr>
-          <p:cNvPr id="3" name="文本占位符 2">
-            <a:extLst>
-              <a:ext uri="{FF2B5EF4-FFF2-40B4-BE49-F238E27FC236}">
-                <a16:creationId xmlns:a16="http://schemas.microsoft.com/office/drawing/2014/main" id="{08BC4322-779D-4A09-95D2-7AAEE3781A3E}"/>
-              </a:ext>
-            </a:extLst>
-          </p:cNvPr>
+            <a:endParaRPr lang="en-US" dirty="0"/>
+          </a:p>
+        </p:txBody>
+      </p:sp>
+      <p:sp>
+        <p:nvSpPr>
+          <p:cNvPr id="3" name="Text Placeholder 2"/>
           <p:cNvSpPr>
             <a:spLocks noGrp="1"/>
           </p:cNvSpPr>
@@ -1003,8 +886,8 @@
         </p:nvSpPr>
         <p:spPr>
           <a:xfrm>
-            <a:off x="831850" y="4589463"/>
-            <a:ext cx="10515600" cy="1500187"/>
+            <a:off x="467916" y="8159048"/>
+            <a:ext cx="5915025" cy="2666999"/>
           </a:xfrm>
         </p:spPr>
         <p:txBody>
@@ -1012,17 +895,15 @@
           <a:lstStyle>
             <a:lvl1pPr marL="0" indent="0">
               <a:buNone/>
-              <a:defRPr sz="2400">
+              <a:defRPr sz="1800">
                 <a:solidFill>
-                  <a:schemeClr val="tx1">
-                    <a:tint val="75000"/>
-                  </a:schemeClr>
+                  <a:schemeClr val="tx1"/>
                 </a:solidFill>
               </a:defRPr>
             </a:lvl1pPr>
-            <a:lvl2pPr marL="457200" indent="0">
-              <a:buNone/>
-              <a:defRPr sz="2000">
+            <a:lvl2pPr marL="342900" indent="0">
+              <a:buNone/>
+              <a:defRPr sz="1500">
                 <a:solidFill>
                   <a:schemeClr val="tx1">
                     <a:tint val="75000"/>
@@ -1030,9 +911,9 @@
                 </a:solidFill>
               </a:defRPr>
             </a:lvl2pPr>
-            <a:lvl3pPr marL="914400" indent="0">
-              <a:buNone/>
-              <a:defRPr sz="1800">
+            <a:lvl3pPr marL="685800" indent="0">
+              <a:buNone/>
+              <a:defRPr sz="1350">
                 <a:solidFill>
                   <a:schemeClr val="tx1">
                     <a:tint val="75000"/>
@@ -1040,9 +921,9 @@
                 </a:solidFill>
               </a:defRPr>
             </a:lvl3pPr>
-            <a:lvl4pPr marL="1371600" indent="0">
-              <a:buNone/>
-              <a:defRPr sz="1600">
+            <a:lvl4pPr marL="1028700" indent="0">
+              <a:buNone/>
+              <a:defRPr sz="1200">
                 <a:solidFill>
                   <a:schemeClr val="tx1">
                     <a:tint val="75000"/>
@@ -1050,9 +931,9 @@
                 </a:solidFill>
               </a:defRPr>
             </a:lvl4pPr>
-            <a:lvl5pPr marL="1828800" indent="0">
-              <a:buNone/>
-              <a:defRPr sz="1600">
+            <a:lvl5pPr marL="1371600" indent="0">
+              <a:buNone/>
+              <a:defRPr sz="1200">
                 <a:solidFill>
                   <a:schemeClr val="tx1">
                     <a:tint val="75000"/>
@@ -1060,9 +941,9 @@
                 </a:solidFill>
               </a:defRPr>
             </a:lvl5pPr>
-            <a:lvl6pPr marL="2286000" indent="0">
-              <a:buNone/>
-              <a:defRPr sz="1600">
+            <a:lvl6pPr marL="1714500" indent="0">
+              <a:buNone/>
+              <a:defRPr sz="1200">
                 <a:solidFill>
                   <a:schemeClr val="tx1">
                     <a:tint val="75000"/>
@@ -1070,9 +951,9 @@
                 </a:solidFill>
               </a:defRPr>
             </a:lvl6pPr>
-            <a:lvl7pPr marL="2743200" indent="0">
-              <a:buNone/>
-              <a:defRPr sz="1600">
+            <a:lvl7pPr marL="2057400" indent="0">
+              <a:buNone/>
+              <a:defRPr sz="1200">
                 <a:solidFill>
                   <a:schemeClr val="tx1">
                     <a:tint val="75000"/>
@@ -1080,9 +961,9 @@
                 </a:solidFill>
               </a:defRPr>
             </a:lvl7pPr>
-            <a:lvl8pPr marL="3200400" indent="0">
-              <a:buNone/>
-              <a:defRPr sz="1600">
+            <a:lvl8pPr marL="2400300" indent="0">
+              <a:buNone/>
+              <a:defRPr sz="1200">
                 <a:solidFill>
                   <a:schemeClr val="tx1">
                     <a:tint val="75000"/>
@@ -1090,9 +971,9 @@
                 </a:solidFill>
               </a:defRPr>
             </a:lvl8pPr>
-            <a:lvl9pPr marL="3657600" indent="0">
-              <a:buNone/>
-              <a:defRPr sz="1600">
+            <a:lvl9pPr marL="2743200" indent="0">
+              <a:buNone/>
+              <a:defRPr sz="1200">
                 <a:solidFill>
                   <a:schemeClr val="tx1">
                     <a:tint val="75000"/>
@@ -1112,13 +993,7 @@
       </p:sp>
       <p:sp>
         <p:nvSpPr>
-          <p:cNvPr id="4" name="日期占位符 3">
-            <a:extLst>
-              <a:ext uri="{FF2B5EF4-FFF2-40B4-BE49-F238E27FC236}">
-                <a16:creationId xmlns:a16="http://schemas.microsoft.com/office/drawing/2014/main" id="{E95E15D4-8CA1-413B-9C60-3AE05BCD5E39}"/>
-              </a:ext>
-            </a:extLst>
-          </p:cNvPr>
+          <p:cNvPr id="4" name="Date Placeholder 3"/>
           <p:cNvSpPr>
             <a:spLocks noGrp="1"/>
           </p:cNvSpPr>
@@ -1133,7 +1008,7 @@
           <a:p>
             <a:fld id="{C321EFB4-E963-41AF-9942-0B813FFD953A}" type="datetimeFigureOut">
               <a:rPr lang="zh-CN" altLang="en-US" smtClean="0"/>
-              <a:t>2019/11/29</a:t>
+              <a:t>2019/12/2</a:t>
             </a:fld>
             <a:endParaRPr lang="zh-CN" altLang="en-US"/>
           </a:p>
@@ -1141,13 +1016,7 @@
       </p:sp>
       <p:sp>
         <p:nvSpPr>
-          <p:cNvPr id="5" name="页脚占位符 4">
-            <a:extLst>
-              <a:ext uri="{FF2B5EF4-FFF2-40B4-BE49-F238E27FC236}">
-                <a16:creationId xmlns:a16="http://schemas.microsoft.com/office/drawing/2014/main" id="{E3256573-E5E0-47CA-9706-62D8BE62F841}"/>
-              </a:ext>
-            </a:extLst>
-          </p:cNvPr>
+          <p:cNvPr id="5" name="Footer Placeholder 4"/>
           <p:cNvSpPr>
             <a:spLocks noGrp="1"/>
           </p:cNvSpPr>
@@ -1166,13 +1035,7 @@
       </p:sp>
       <p:sp>
         <p:nvSpPr>
-          <p:cNvPr id="6" name="灯片编号占位符 5">
-            <a:extLst>
-              <a:ext uri="{FF2B5EF4-FFF2-40B4-BE49-F238E27FC236}">
-                <a16:creationId xmlns:a16="http://schemas.microsoft.com/office/drawing/2014/main" id="{C865E216-56F2-4F12-BF2A-56C33318AB60}"/>
-              </a:ext>
-            </a:extLst>
-          </p:cNvPr>
+          <p:cNvPr id="6" name="Slide Number Placeholder 5"/>
           <p:cNvSpPr>
             <a:spLocks noGrp="1"/>
           </p:cNvSpPr>
@@ -1196,7 +1059,7 @@
     </p:spTree>
     <p:extLst>
       <p:ext uri="{BB962C8B-B14F-4D97-AF65-F5344CB8AC3E}">
-        <p14:creationId xmlns:p14="http://schemas.microsoft.com/office/powerpoint/2010/main" val="3347678713"/>
+        <p14:creationId xmlns:p14="http://schemas.microsoft.com/office/powerpoint/2010/main" val="2834261664"/>
       </p:ext>
     </p:extLst>
   </p:cSld>
@@ -1225,13 +1088,7 @@
       </p:grpSpPr>
       <p:sp>
         <p:nvSpPr>
-          <p:cNvPr id="2" name="标题 1">
-            <a:extLst>
-              <a:ext uri="{FF2B5EF4-FFF2-40B4-BE49-F238E27FC236}">
-                <a16:creationId xmlns:a16="http://schemas.microsoft.com/office/drawing/2014/main" id="{5D91FE97-9820-451E-A315-64BB42701B49}"/>
-              </a:ext>
-            </a:extLst>
-          </p:cNvPr>
+          <p:cNvPr id="2" name="Title 1"/>
           <p:cNvSpPr>
             <a:spLocks noGrp="1"/>
           </p:cNvSpPr>
@@ -1248,18 +1105,13 @@
               <a:rPr lang="zh-CN" altLang="en-US"/>
               <a:t>单击此处编辑母版标题样式</a:t>
             </a:r>
-          </a:p>
-        </p:txBody>
-      </p:sp>
-      <p:sp>
-        <p:nvSpPr>
-          <p:cNvPr id="3" name="内容占位符 2">
-            <a:extLst>
-              <a:ext uri="{FF2B5EF4-FFF2-40B4-BE49-F238E27FC236}">
-                <a16:creationId xmlns:a16="http://schemas.microsoft.com/office/drawing/2014/main" id="{0DAF70DF-1EC0-431B-B381-EA4E81F9005F}"/>
-              </a:ext>
-            </a:extLst>
-          </p:cNvPr>
+            <a:endParaRPr lang="en-US" dirty="0"/>
+          </a:p>
+        </p:txBody>
+      </p:sp>
+      <p:sp>
+        <p:nvSpPr>
+          <p:cNvPr id="3" name="Content Placeholder 2"/>
           <p:cNvSpPr>
             <a:spLocks noGrp="1"/>
           </p:cNvSpPr>
@@ -1269,8 +1121,8 @@
         </p:nvSpPr>
         <p:spPr>
           <a:xfrm>
-            <a:off x="838200" y="1825625"/>
-            <a:ext cx="5181600" cy="4351338"/>
+            <a:off x="471488" y="3245556"/>
+            <a:ext cx="2914650" cy="7735712"/>
           </a:xfrm>
         </p:spPr>
         <p:txBody>
@@ -1310,18 +1162,13 @@
               <a:rPr lang="zh-CN" altLang="en-US"/>
               <a:t>五级</a:t>
             </a:r>
-          </a:p>
-        </p:txBody>
-      </p:sp>
-      <p:sp>
-        <p:nvSpPr>
-          <p:cNvPr id="4" name="内容占位符 3">
-            <a:extLst>
-              <a:ext uri="{FF2B5EF4-FFF2-40B4-BE49-F238E27FC236}">
-                <a16:creationId xmlns:a16="http://schemas.microsoft.com/office/drawing/2014/main" id="{F2DDEDB2-86C3-4AC5-9A34-3AE871D21BCA}"/>
-              </a:ext>
-            </a:extLst>
-          </p:cNvPr>
+            <a:endParaRPr lang="en-US" dirty="0"/>
+          </a:p>
+        </p:txBody>
+      </p:sp>
+      <p:sp>
+        <p:nvSpPr>
+          <p:cNvPr id="4" name="Content Placeholder 3"/>
           <p:cNvSpPr>
             <a:spLocks noGrp="1"/>
           </p:cNvSpPr>
@@ -1331,8 +1178,8 @@
         </p:nvSpPr>
         <p:spPr>
           <a:xfrm>
-            <a:off x="6172200" y="1825625"/>
-            <a:ext cx="5181600" cy="4351338"/>
+            <a:off x="3471863" y="3245556"/>
+            <a:ext cx="2914650" cy="7735712"/>
           </a:xfrm>
         </p:spPr>
         <p:txBody>
@@ -1372,18 +1219,13 @@
               <a:rPr lang="zh-CN" altLang="en-US"/>
               <a:t>五级</a:t>
             </a:r>
-          </a:p>
-        </p:txBody>
-      </p:sp>
-      <p:sp>
-        <p:nvSpPr>
-          <p:cNvPr id="5" name="日期占位符 4">
-            <a:extLst>
-              <a:ext uri="{FF2B5EF4-FFF2-40B4-BE49-F238E27FC236}">
-                <a16:creationId xmlns:a16="http://schemas.microsoft.com/office/drawing/2014/main" id="{A7C0BAEA-5242-4B61-B71F-F88740FDD215}"/>
-              </a:ext>
-            </a:extLst>
-          </p:cNvPr>
+            <a:endParaRPr lang="en-US" dirty="0"/>
+          </a:p>
+        </p:txBody>
+      </p:sp>
+      <p:sp>
+        <p:nvSpPr>
+          <p:cNvPr id="5" name="Date Placeholder 4"/>
           <p:cNvSpPr>
             <a:spLocks noGrp="1"/>
           </p:cNvSpPr>
@@ -1398,7 +1240,7 @@
           <a:p>
             <a:fld id="{C321EFB4-E963-41AF-9942-0B813FFD953A}" type="datetimeFigureOut">
               <a:rPr lang="zh-CN" altLang="en-US" smtClean="0"/>
-              <a:t>2019/11/29</a:t>
+              <a:t>2019/12/2</a:t>
             </a:fld>
             <a:endParaRPr lang="zh-CN" altLang="en-US"/>
           </a:p>
@@ -1406,13 +1248,7 @@
       </p:sp>
       <p:sp>
         <p:nvSpPr>
-          <p:cNvPr id="6" name="页脚占位符 5">
-            <a:extLst>
-              <a:ext uri="{FF2B5EF4-FFF2-40B4-BE49-F238E27FC236}">
-                <a16:creationId xmlns:a16="http://schemas.microsoft.com/office/drawing/2014/main" id="{42CE0503-0280-4501-BFC5-5F148551E6B9}"/>
-              </a:ext>
-            </a:extLst>
-          </p:cNvPr>
+          <p:cNvPr id="6" name="Footer Placeholder 5"/>
           <p:cNvSpPr>
             <a:spLocks noGrp="1"/>
           </p:cNvSpPr>
@@ -1431,13 +1267,7 @@
       </p:sp>
       <p:sp>
         <p:nvSpPr>
-          <p:cNvPr id="7" name="灯片编号占位符 6">
-            <a:extLst>
-              <a:ext uri="{FF2B5EF4-FFF2-40B4-BE49-F238E27FC236}">
-                <a16:creationId xmlns:a16="http://schemas.microsoft.com/office/drawing/2014/main" id="{7ED589F0-8B18-431A-84FD-6B7A6A79B7B4}"/>
-              </a:ext>
-            </a:extLst>
-          </p:cNvPr>
+          <p:cNvPr id="7" name="Slide Number Placeholder 6"/>
           <p:cNvSpPr>
             <a:spLocks noGrp="1"/>
           </p:cNvSpPr>
@@ -1461,7 +1291,7 @@
     </p:spTree>
     <p:extLst>
       <p:ext uri="{BB962C8B-B14F-4D97-AF65-F5344CB8AC3E}">
-        <p14:creationId xmlns:p14="http://schemas.microsoft.com/office/powerpoint/2010/main" val="1996120975"/>
+        <p14:creationId xmlns:p14="http://schemas.microsoft.com/office/powerpoint/2010/main" val="1426139505"/>
       </p:ext>
     </p:extLst>
   </p:cSld>
@@ -1490,13 +1320,7 @@
       </p:grpSpPr>
       <p:sp>
         <p:nvSpPr>
-          <p:cNvPr id="2" name="标题 1">
-            <a:extLst>
-              <a:ext uri="{FF2B5EF4-FFF2-40B4-BE49-F238E27FC236}">
-                <a16:creationId xmlns:a16="http://schemas.microsoft.com/office/drawing/2014/main" id="{A34692BF-0A6E-4939-BB9D-4D9CB2D7A5BE}"/>
-              </a:ext>
-            </a:extLst>
-          </p:cNvPr>
+          <p:cNvPr id="2" name="Title 1"/>
           <p:cNvSpPr>
             <a:spLocks noGrp="1"/>
           </p:cNvSpPr>
@@ -1506,8 +1330,8 @@
         </p:nvSpPr>
         <p:spPr>
           <a:xfrm>
-            <a:off x="839788" y="365125"/>
-            <a:ext cx="10515600" cy="1325563"/>
+            <a:off x="472381" y="649114"/>
+            <a:ext cx="5915025" cy="2356556"/>
           </a:xfrm>
         </p:spPr>
         <p:txBody>
@@ -1518,18 +1342,13 @@
               <a:rPr lang="zh-CN" altLang="en-US"/>
               <a:t>单击此处编辑母版标题样式</a:t>
             </a:r>
-          </a:p>
-        </p:txBody>
-      </p:sp>
-      <p:sp>
-        <p:nvSpPr>
-          <p:cNvPr id="3" name="文本占位符 2">
-            <a:extLst>
-              <a:ext uri="{FF2B5EF4-FFF2-40B4-BE49-F238E27FC236}">
-                <a16:creationId xmlns:a16="http://schemas.microsoft.com/office/drawing/2014/main" id="{7D2A26BA-A4E6-4B92-BC19-3541C9DBB60B}"/>
-              </a:ext>
-            </a:extLst>
-          </p:cNvPr>
+            <a:endParaRPr lang="en-US" dirty="0"/>
+          </a:p>
+        </p:txBody>
+      </p:sp>
+      <p:sp>
+        <p:nvSpPr>
+          <p:cNvPr id="3" name="Text Placeholder 2"/>
           <p:cNvSpPr>
             <a:spLocks noGrp="1"/>
           </p:cNvSpPr>
@@ -1539,8 +1358,8 @@
         </p:nvSpPr>
         <p:spPr>
           <a:xfrm>
-            <a:off x="839788" y="1681163"/>
-            <a:ext cx="5157787" cy="823912"/>
+            <a:off x="472381" y="2988734"/>
+            <a:ext cx="2901255" cy="1464732"/>
           </a:xfrm>
         </p:spPr>
         <p:txBody>
@@ -1548,39 +1367,39 @@
           <a:lstStyle>
             <a:lvl1pPr marL="0" indent="0">
               <a:buNone/>
-              <a:defRPr sz="2400" b="1"/>
+              <a:defRPr sz="1800" b="1"/>
             </a:lvl1pPr>
-            <a:lvl2pPr marL="457200" indent="0">
-              <a:buNone/>
-              <a:defRPr sz="2000" b="1"/>
+            <a:lvl2pPr marL="342900" indent="0">
+              <a:buNone/>
+              <a:defRPr sz="1500" b="1"/>
             </a:lvl2pPr>
-            <a:lvl3pPr marL="914400" indent="0">
-              <a:buNone/>
-              <a:defRPr sz="1800" b="1"/>
+            <a:lvl3pPr marL="685800" indent="0">
+              <a:buNone/>
+              <a:defRPr sz="1350" b="1"/>
             </a:lvl3pPr>
-            <a:lvl4pPr marL="1371600" indent="0">
-              <a:buNone/>
-              <a:defRPr sz="1600" b="1"/>
+            <a:lvl4pPr marL="1028700" indent="0">
+              <a:buNone/>
+              <a:defRPr sz="1200" b="1"/>
             </a:lvl4pPr>
-            <a:lvl5pPr marL="1828800" indent="0">
-              <a:buNone/>
-              <a:defRPr sz="1600" b="1"/>
+            <a:lvl5pPr marL="1371600" indent="0">
+              <a:buNone/>
+              <a:defRPr sz="1200" b="1"/>
             </a:lvl5pPr>
-            <a:lvl6pPr marL="2286000" indent="0">
-              <a:buNone/>
-              <a:defRPr sz="1600" b="1"/>
+            <a:lvl6pPr marL="1714500" indent="0">
+              <a:buNone/>
+              <a:defRPr sz="1200" b="1"/>
             </a:lvl6pPr>
-            <a:lvl7pPr marL="2743200" indent="0">
-              <a:buNone/>
-              <a:defRPr sz="1600" b="1"/>
+            <a:lvl7pPr marL="2057400" indent="0">
+              <a:buNone/>
+              <a:defRPr sz="1200" b="1"/>
             </a:lvl7pPr>
-            <a:lvl8pPr marL="3200400" indent="0">
-              <a:buNone/>
-              <a:defRPr sz="1600" b="1"/>
+            <a:lvl8pPr marL="2400300" indent="0">
+              <a:buNone/>
+              <a:defRPr sz="1200" b="1"/>
             </a:lvl8pPr>
-            <a:lvl9pPr marL="3657600" indent="0">
-              <a:buNone/>
-              <a:defRPr sz="1600" b="1"/>
+            <a:lvl9pPr marL="2743200" indent="0">
+              <a:buNone/>
+              <a:defRPr sz="1200" b="1"/>
             </a:lvl9pPr>
           </a:lstStyle>
           <a:p>
@@ -1594,13 +1413,7 @@
       </p:sp>
       <p:sp>
         <p:nvSpPr>
-          <p:cNvPr id="4" name="内容占位符 3">
-            <a:extLst>
-              <a:ext uri="{FF2B5EF4-FFF2-40B4-BE49-F238E27FC236}">
-                <a16:creationId xmlns:a16="http://schemas.microsoft.com/office/drawing/2014/main" id="{41354B3E-86A8-4938-9CF0-05F5232C986E}"/>
-              </a:ext>
-            </a:extLst>
-          </p:cNvPr>
+          <p:cNvPr id="4" name="Content Placeholder 3"/>
           <p:cNvSpPr>
             <a:spLocks noGrp="1"/>
           </p:cNvSpPr>
@@ -1610,8 +1423,8 @@
         </p:nvSpPr>
         <p:spPr>
           <a:xfrm>
-            <a:off x="839788" y="2505075"/>
-            <a:ext cx="5157787" cy="3684588"/>
+            <a:off x="472381" y="4453467"/>
+            <a:ext cx="2901255" cy="6550379"/>
           </a:xfrm>
         </p:spPr>
         <p:txBody>
@@ -1651,18 +1464,13 @@
               <a:rPr lang="zh-CN" altLang="en-US"/>
               <a:t>五级</a:t>
             </a:r>
-          </a:p>
-        </p:txBody>
-      </p:sp>
-      <p:sp>
-        <p:nvSpPr>
-          <p:cNvPr id="5" name="文本占位符 4">
-            <a:extLst>
-              <a:ext uri="{FF2B5EF4-FFF2-40B4-BE49-F238E27FC236}">
-                <a16:creationId xmlns:a16="http://schemas.microsoft.com/office/drawing/2014/main" id="{979CF6B9-3ACF-4CEB-8095-CC8F875C38F0}"/>
-              </a:ext>
-            </a:extLst>
-          </p:cNvPr>
+            <a:endParaRPr lang="en-US" dirty="0"/>
+          </a:p>
+        </p:txBody>
+      </p:sp>
+      <p:sp>
+        <p:nvSpPr>
+          <p:cNvPr id="5" name="Text Placeholder 4"/>
           <p:cNvSpPr>
             <a:spLocks noGrp="1"/>
           </p:cNvSpPr>
@@ -1672,8 +1480,8 @@
         </p:nvSpPr>
         <p:spPr>
           <a:xfrm>
-            <a:off x="6172200" y="1681163"/>
-            <a:ext cx="5183188" cy="823912"/>
+            <a:off x="3471863" y="2988734"/>
+            <a:ext cx="2915543" cy="1464732"/>
           </a:xfrm>
         </p:spPr>
         <p:txBody>
@@ -1681,39 +1489,39 @@
           <a:lstStyle>
             <a:lvl1pPr marL="0" indent="0">
               <a:buNone/>
-              <a:defRPr sz="2400" b="1"/>
+              <a:defRPr sz="1800" b="1"/>
             </a:lvl1pPr>
-            <a:lvl2pPr marL="457200" indent="0">
-              <a:buNone/>
-              <a:defRPr sz="2000" b="1"/>
+            <a:lvl2pPr marL="342900" indent="0">
+              <a:buNone/>
+              <a:defRPr sz="1500" b="1"/>
             </a:lvl2pPr>
-            <a:lvl3pPr marL="914400" indent="0">
-              <a:buNone/>
-              <a:defRPr sz="1800" b="1"/>
+            <a:lvl3pPr marL="685800" indent="0">
+              <a:buNone/>
+              <a:defRPr sz="1350" b="1"/>
             </a:lvl3pPr>
-            <a:lvl4pPr marL="1371600" indent="0">
-              <a:buNone/>
-              <a:defRPr sz="1600" b="1"/>
+            <a:lvl4pPr marL="1028700" indent="0">
+              <a:buNone/>
+              <a:defRPr sz="1200" b="1"/>
             </a:lvl4pPr>
-            <a:lvl5pPr marL="1828800" indent="0">
-              <a:buNone/>
-              <a:defRPr sz="1600" b="1"/>
+            <a:lvl5pPr marL="1371600" indent="0">
+              <a:buNone/>
+              <a:defRPr sz="1200" b="1"/>
             </a:lvl5pPr>
-            <a:lvl6pPr marL="2286000" indent="0">
-              <a:buNone/>
-              <a:defRPr sz="1600" b="1"/>
+            <a:lvl6pPr marL="1714500" indent="0">
+              <a:buNone/>
+              <a:defRPr sz="1200" b="1"/>
             </a:lvl6pPr>
-            <a:lvl7pPr marL="2743200" indent="0">
-              <a:buNone/>
-              <a:defRPr sz="1600" b="1"/>
+            <a:lvl7pPr marL="2057400" indent="0">
+              <a:buNone/>
+              <a:defRPr sz="1200" b="1"/>
             </a:lvl7pPr>
-            <a:lvl8pPr marL="3200400" indent="0">
-              <a:buNone/>
-              <a:defRPr sz="1600" b="1"/>
+            <a:lvl8pPr marL="2400300" indent="0">
+              <a:buNone/>
+              <a:defRPr sz="1200" b="1"/>
             </a:lvl8pPr>
-            <a:lvl9pPr marL="3657600" indent="0">
-              <a:buNone/>
-              <a:defRPr sz="1600" b="1"/>
+            <a:lvl9pPr marL="2743200" indent="0">
+              <a:buNone/>
+              <a:defRPr sz="1200" b="1"/>
             </a:lvl9pPr>
           </a:lstStyle>
           <a:p>
@@ -1727,13 +1535,7 @@
       </p:sp>
       <p:sp>
         <p:nvSpPr>
-          <p:cNvPr id="6" name="内容占位符 5">
-            <a:extLst>
-              <a:ext uri="{FF2B5EF4-FFF2-40B4-BE49-F238E27FC236}">
-                <a16:creationId xmlns:a16="http://schemas.microsoft.com/office/drawing/2014/main" id="{1BA0CC95-7BD9-4324-8C67-7501EAAAB1F9}"/>
-              </a:ext>
-            </a:extLst>
-          </p:cNvPr>
+          <p:cNvPr id="6" name="Content Placeholder 5"/>
           <p:cNvSpPr>
             <a:spLocks noGrp="1"/>
           </p:cNvSpPr>
@@ -1743,8 +1545,8 @@
         </p:nvSpPr>
         <p:spPr>
           <a:xfrm>
-            <a:off x="6172200" y="2505075"/>
-            <a:ext cx="5183188" cy="3684588"/>
+            <a:off x="3471863" y="4453467"/>
+            <a:ext cx="2915543" cy="6550379"/>
           </a:xfrm>
         </p:spPr>
         <p:txBody>
@@ -1784,18 +1586,13 @@
               <a:rPr lang="zh-CN" altLang="en-US"/>
               <a:t>五级</a:t>
             </a:r>
-          </a:p>
-        </p:txBody>
-      </p:sp>
-      <p:sp>
-        <p:nvSpPr>
-          <p:cNvPr id="7" name="日期占位符 6">
-            <a:extLst>
-              <a:ext uri="{FF2B5EF4-FFF2-40B4-BE49-F238E27FC236}">
-                <a16:creationId xmlns:a16="http://schemas.microsoft.com/office/drawing/2014/main" id="{865A54A2-EBF9-4769-9A10-0C113BA19674}"/>
-              </a:ext>
-            </a:extLst>
-          </p:cNvPr>
+            <a:endParaRPr lang="en-US" dirty="0"/>
+          </a:p>
+        </p:txBody>
+      </p:sp>
+      <p:sp>
+        <p:nvSpPr>
+          <p:cNvPr id="7" name="Date Placeholder 6"/>
           <p:cNvSpPr>
             <a:spLocks noGrp="1"/>
           </p:cNvSpPr>
@@ -1810,7 +1607,7 @@
           <a:p>
             <a:fld id="{C321EFB4-E963-41AF-9942-0B813FFD953A}" type="datetimeFigureOut">
               <a:rPr lang="zh-CN" altLang="en-US" smtClean="0"/>
-              <a:t>2019/11/29</a:t>
+              <a:t>2019/12/2</a:t>
             </a:fld>
             <a:endParaRPr lang="zh-CN" altLang="en-US"/>
           </a:p>
@@ -1818,13 +1615,7 @@
       </p:sp>
       <p:sp>
         <p:nvSpPr>
-          <p:cNvPr id="8" name="页脚占位符 7">
-            <a:extLst>
-              <a:ext uri="{FF2B5EF4-FFF2-40B4-BE49-F238E27FC236}">
-                <a16:creationId xmlns:a16="http://schemas.microsoft.com/office/drawing/2014/main" id="{E855B99F-0D02-41AB-81C9-38403F6C847F}"/>
-              </a:ext>
-            </a:extLst>
-          </p:cNvPr>
+          <p:cNvPr id="8" name="Footer Placeholder 7"/>
           <p:cNvSpPr>
             <a:spLocks noGrp="1"/>
           </p:cNvSpPr>
@@ -1843,13 +1634,7 @@
       </p:sp>
       <p:sp>
         <p:nvSpPr>
-          <p:cNvPr id="9" name="灯片编号占位符 8">
-            <a:extLst>
-              <a:ext uri="{FF2B5EF4-FFF2-40B4-BE49-F238E27FC236}">
-                <a16:creationId xmlns:a16="http://schemas.microsoft.com/office/drawing/2014/main" id="{3C3FE1F5-89DA-46C2-A7CC-EE0DDF5659D2}"/>
-              </a:ext>
-            </a:extLst>
-          </p:cNvPr>
+          <p:cNvPr id="9" name="Slide Number Placeholder 8"/>
           <p:cNvSpPr>
             <a:spLocks noGrp="1"/>
           </p:cNvSpPr>
@@ -1873,7 +1658,7 @@
     </p:spTree>
     <p:extLst>
       <p:ext uri="{BB962C8B-B14F-4D97-AF65-F5344CB8AC3E}">
-        <p14:creationId xmlns:p14="http://schemas.microsoft.com/office/powerpoint/2010/main" val="1813228666"/>
+        <p14:creationId xmlns:p14="http://schemas.microsoft.com/office/powerpoint/2010/main" val="2395735722"/>
       </p:ext>
     </p:extLst>
   </p:cSld>
@@ -1902,13 +1687,7 @@
       </p:grpSpPr>
       <p:sp>
         <p:nvSpPr>
-          <p:cNvPr id="2" name="标题 1">
-            <a:extLst>
-              <a:ext uri="{FF2B5EF4-FFF2-40B4-BE49-F238E27FC236}">
-                <a16:creationId xmlns:a16="http://schemas.microsoft.com/office/drawing/2014/main" id="{70554E6D-CF89-424C-8E99-455EBE342B45}"/>
-              </a:ext>
-            </a:extLst>
-          </p:cNvPr>
+          <p:cNvPr id="2" name="Title 1"/>
           <p:cNvSpPr>
             <a:spLocks noGrp="1"/>
           </p:cNvSpPr>
@@ -1925,18 +1704,13 @@
               <a:rPr lang="zh-CN" altLang="en-US"/>
               <a:t>单击此处编辑母版标题样式</a:t>
             </a:r>
-          </a:p>
-        </p:txBody>
-      </p:sp>
-      <p:sp>
-        <p:nvSpPr>
-          <p:cNvPr id="3" name="日期占位符 2">
-            <a:extLst>
-              <a:ext uri="{FF2B5EF4-FFF2-40B4-BE49-F238E27FC236}">
-                <a16:creationId xmlns:a16="http://schemas.microsoft.com/office/drawing/2014/main" id="{1F89D8B0-F9A5-4C24-A6FE-16F690B4BBA7}"/>
-              </a:ext>
-            </a:extLst>
-          </p:cNvPr>
+            <a:endParaRPr lang="en-US" dirty="0"/>
+          </a:p>
+        </p:txBody>
+      </p:sp>
+      <p:sp>
+        <p:nvSpPr>
+          <p:cNvPr id="3" name="Date Placeholder 2"/>
           <p:cNvSpPr>
             <a:spLocks noGrp="1"/>
           </p:cNvSpPr>
@@ -1951,7 +1725,7 @@
           <a:p>
             <a:fld id="{C321EFB4-E963-41AF-9942-0B813FFD953A}" type="datetimeFigureOut">
               <a:rPr lang="zh-CN" altLang="en-US" smtClean="0"/>
-              <a:t>2019/11/29</a:t>
+              <a:t>2019/12/2</a:t>
             </a:fld>
             <a:endParaRPr lang="zh-CN" altLang="en-US"/>
           </a:p>
@@ -1959,13 +1733,7 @@
       </p:sp>
       <p:sp>
         <p:nvSpPr>
-          <p:cNvPr id="4" name="页脚占位符 3">
-            <a:extLst>
-              <a:ext uri="{FF2B5EF4-FFF2-40B4-BE49-F238E27FC236}">
-                <a16:creationId xmlns:a16="http://schemas.microsoft.com/office/drawing/2014/main" id="{69D102BE-B635-4657-BFE6-78B82E0EB5DD}"/>
-              </a:ext>
-            </a:extLst>
-          </p:cNvPr>
+          <p:cNvPr id="4" name="Footer Placeholder 3"/>
           <p:cNvSpPr>
             <a:spLocks noGrp="1"/>
           </p:cNvSpPr>
@@ -1984,13 +1752,7 @@
       </p:sp>
       <p:sp>
         <p:nvSpPr>
-          <p:cNvPr id="5" name="灯片编号占位符 4">
-            <a:extLst>
-              <a:ext uri="{FF2B5EF4-FFF2-40B4-BE49-F238E27FC236}">
-                <a16:creationId xmlns:a16="http://schemas.microsoft.com/office/drawing/2014/main" id="{8328EC21-5F1A-439A-840C-01E724FF7DE3}"/>
-              </a:ext>
-            </a:extLst>
-          </p:cNvPr>
+          <p:cNvPr id="5" name="Slide Number Placeholder 4"/>
           <p:cNvSpPr>
             <a:spLocks noGrp="1"/>
           </p:cNvSpPr>
@@ -2014,7 +1776,7 @@
     </p:spTree>
     <p:extLst>
       <p:ext uri="{BB962C8B-B14F-4D97-AF65-F5344CB8AC3E}">
-        <p14:creationId xmlns:p14="http://schemas.microsoft.com/office/powerpoint/2010/main" val="4236843485"/>
+        <p14:creationId xmlns:p14="http://schemas.microsoft.com/office/powerpoint/2010/main" val="873504365"/>
       </p:ext>
     </p:extLst>
   </p:cSld>
@@ -2043,13 +1805,7 @@
       </p:grpSpPr>
       <p:sp>
         <p:nvSpPr>
-          <p:cNvPr id="2" name="日期占位符 1">
-            <a:extLst>
-              <a:ext uri="{FF2B5EF4-FFF2-40B4-BE49-F238E27FC236}">
-                <a16:creationId xmlns:a16="http://schemas.microsoft.com/office/drawing/2014/main" id="{1B4B01E5-F778-478E-82EE-7612D5948A07}"/>
-              </a:ext>
-            </a:extLst>
-          </p:cNvPr>
+          <p:cNvPr id="2" name="Date Placeholder 1"/>
           <p:cNvSpPr>
             <a:spLocks noGrp="1"/>
           </p:cNvSpPr>
@@ -2064,7 +1820,7 @@
           <a:p>
             <a:fld id="{C321EFB4-E963-41AF-9942-0B813FFD953A}" type="datetimeFigureOut">
               <a:rPr lang="zh-CN" altLang="en-US" smtClean="0"/>
-              <a:t>2019/11/29</a:t>
+              <a:t>2019/12/2</a:t>
             </a:fld>
             <a:endParaRPr lang="zh-CN" altLang="en-US"/>
           </a:p>
@@ -2072,13 +1828,7 @@
       </p:sp>
       <p:sp>
         <p:nvSpPr>
-          <p:cNvPr id="3" name="页脚占位符 2">
-            <a:extLst>
-              <a:ext uri="{FF2B5EF4-FFF2-40B4-BE49-F238E27FC236}">
-                <a16:creationId xmlns:a16="http://schemas.microsoft.com/office/drawing/2014/main" id="{9DDB78E2-F536-4A3A-ACA3-2B75DB303FCB}"/>
-              </a:ext>
-            </a:extLst>
-          </p:cNvPr>
+          <p:cNvPr id="3" name="Footer Placeholder 2"/>
           <p:cNvSpPr>
             <a:spLocks noGrp="1"/>
           </p:cNvSpPr>
@@ -2097,13 +1847,7 @@
       </p:sp>
       <p:sp>
         <p:nvSpPr>
-          <p:cNvPr id="4" name="灯片编号占位符 3">
-            <a:extLst>
-              <a:ext uri="{FF2B5EF4-FFF2-40B4-BE49-F238E27FC236}">
-                <a16:creationId xmlns:a16="http://schemas.microsoft.com/office/drawing/2014/main" id="{1D65A4AC-EAC4-43ED-AFF8-E32A460E30B4}"/>
-              </a:ext>
-            </a:extLst>
-          </p:cNvPr>
+          <p:cNvPr id="4" name="Slide Number Placeholder 3"/>
           <p:cNvSpPr>
             <a:spLocks noGrp="1"/>
           </p:cNvSpPr>
@@ -2127,7 +1871,7 @@
     </p:spTree>
     <p:extLst>
       <p:ext uri="{BB962C8B-B14F-4D97-AF65-F5344CB8AC3E}">
-        <p14:creationId xmlns:p14="http://schemas.microsoft.com/office/powerpoint/2010/main" val="2173292011"/>
+        <p14:creationId xmlns:p14="http://schemas.microsoft.com/office/powerpoint/2010/main" val="3580408103"/>
       </p:ext>
     </p:extLst>
   </p:cSld>
@@ -2156,13 +1900,7 @@
       </p:grpSpPr>
       <p:sp>
         <p:nvSpPr>
-          <p:cNvPr id="2" name="标题 1">
-            <a:extLst>
-              <a:ext uri="{FF2B5EF4-FFF2-40B4-BE49-F238E27FC236}">
-                <a16:creationId xmlns:a16="http://schemas.microsoft.com/office/drawing/2014/main" id="{54EB7176-FEDF-406B-AFA6-62EB3ABE4C17}"/>
-              </a:ext>
-            </a:extLst>
-          </p:cNvPr>
+          <p:cNvPr id="2" name="Title 1"/>
           <p:cNvSpPr>
             <a:spLocks noGrp="1"/>
           </p:cNvSpPr>
@@ -2172,15 +1910,15 @@
         </p:nvSpPr>
         <p:spPr>
           <a:xfrm>
-            <a:off x="839788" y="457200"/>
-            <a:ext cx="3932237" cy="1600200"/>
+            <a:off x="472381" y="812800"/>
+            <a:ext cx="2211884" cy="2844800"/>
           </a:xfrm>
         </p:spPr>
         <p:txBody>
           <a:bodyPr anchor="b"/>
           <a:lstStyle>
             <a:lvl1pPr>
-              <a:defRPr sz="3200"/>
+              <a:defRPr sz="2400"/>
             </a:lvl1pPr>
           </a:lstStyle>
           <a:p>
@@ -2188,18 +1926,13 @@
               <a:rPr lang="zh-CN" altLang="en-US"/>
               <a:t>单击此处编辑母版标题样式</a:t>
             </a:r>
-          </a:p>
-        </p:txBody>
-      </p:sp>
-      <p:sp>
-        <p:nvSpPr>
-          <p:cNvPr id="3" name="内容占位符 2">
-            <a:extLst>
-              <a:ext uri="{FF2B5EF4-FFF2-40B4-BE49-F238E27FC236}">
-                <a16:creationId xmlns:a16="http://schemas.microsoft.com/office/drawing/2014/main" id="{B15F3F0B-63F1-4C55-8946-4F1AF6429BFF}"/>
-              </a:ext>
-            </a:extLst>
-          </p:cNvPr>
+            <a:endParaRPr lang="en-US" dirty="0"/>
+          </a:p>
+        </p:txBody>
+      </p:sp>
+      <p:sp>
+        <p:nvSpPr>
+          <p:cNvPr id="3" name="Content Placeholder 2"/>
           <p:cNvSpPr>
             <a:spLocks noGrp="1"/>
           </p:cNvSpPr>
@@ -2209,39 +1942,39 @@
         </p:nvSpPr>
         <p:spPr>
           <a:xfrm>
-            <a:off x="5183188" y="987425"/>
-            <a:ext cx="6172200" cy="4873625"/>
+            <a:off x="2915543" y="1755425"/>
+            <a:ext cx="3471863" cy="8664222"/>
           </a:xfrm>
         </p:spPr>
         <p:txBody>
           <a:bodyPr/>
           <a:lstStyle>
             <a:lvl1pPr>
-              <a:defRPr sz="3200"/>
+              <a:defRPr sz="2400"/>
             </a:lvl1pPr>
             <a:lvl2pPr>
-              <a:defRPr sz="2800"/>
+              <a:defRPr sz="2100"/>
             </a:lvl2pPr>
             <a:lvl3pPr>
-              <a:defRPr sz="2400"/>
+              <a:defRPr sz="1800"/>
             </a:lvl3pPr>
             <a:lvl4pPr>
-              <a:defRPr sz="2000"/>
+              <a:defRPr sz="1500"/>
             </a:lvl4pPr>
             <a:lvl5pPr>
-              <a:defRPr sz="2000"/>
+              <a:defRPr sz="1500"/>
             </a:lvl5pPr>
             <a:lvl6pPr>
-              <a:defRPr sz="2000"/>
+              <a:defRPr sz="1500"/>
             </a:lvl6pPr>
             <a:lvl7pPr>
-              <a:defRPr sz="2000"/>
+              <a:defRPr sz="1500"/>
             </a:lvl7pPr>
             <a:lvl8pPr>
-              <a:defRPr sz="2000"/>
+              <a:defRPr sz="1500"/>
             </a:lvl8pPr>
             <a:lvl9pPr>
-              <a:defRPr sz="2000"/>
+              <a:defRPr sz="1500"/>
             </a:lvl9pPr>
           </a:lstStyle>
           <a:p>
@@ -2278,18 +2011,13 @@
               <a:rPr lang="zh-CN" altLang="en-US"/>
               <a:t>五级</a:t>
             </a:r>
-          </a:p>
-        </p:txBody>
-      </p:sp>
-      <p:sp>
-        <p:nvSpPr>
-          <p:cNvPr id="4" name="文本占位符 3">
-            <a:extLst>
-              <a:ext uri="{FF2B5EF4-FFF2-40B4-BE49-F238E27FC236}">
-                <a16:creationId xmlns:a16="http://schemas.microsoft.com/office/drawing/2014/main" id="{B7225AAE-FBF4-4028-875E-2625A86C9029}"/>
-              </a:ext>
-            </a:extLst>
-          </p:cNvPr>
+            <a:endParaRPr lang="en-US" dirty="0"/>
+          </a:p>
+        </p:txBody>
+      </p:sp>
+      <p:sp>
+        <p:nvSpPr>
+          <p:cNvPr id="4" name="Text Placeholder 3"/>
           <p:cNvSpPr>
             <a:spLocks noGrp="1"/>
           </p:cNvSpPr>
@@ -2299,8 +2027,8 @@
         </p:nvSpPr>
         <p:spPr>
           <a:xfrm>
-            <a:off x="839788" y="2057400"/>
-            <a:ext cx="3932237" cy="3811588"/>
+            <a:off x="472381" y="3657600"/>
+            <a:ext cx="2211884" cy="6776156"/>
           </a:xfrm>
         </p:spPr>
         <p:txBody>
@@ -2308,39 +2036,39 @@
           <a:lstStyle>
             <a:lvl1pPr marL="0" indent="0">
               <a:buNone/>
-              <a:defRPr sz="1600"/>
+              <a:defRPr sz="1200"/>
             </a:lvl1pPr>
-            <a:lvl2pPr marL="457200" indent="0">
-              <a:buNone/>
-              <a:defRPr sz="1400"/>
+            <a:lvl2pPr marL="342900" indent="0">
+              <a:buNone/>
+              <a:defRPr sz="1050"/>
             </a:lvl2pPr>
-            <a:lvl3pPr marL="914400" indent="0">
-              <a:buNone/>
-              <a:defRPr sz="1200"/>
+            <a:lvl3pPr marL="685800" indent="0">
+              <a:buNone/>
+              <a:defRPr sz="900"/>
             </a:lvl3pPr>
-            <a:lvl4pPr marL="1371600" indent="0">
-              <a:buNone/>
-              <a:defRPr sz="1000"/>
+            <a:lvl4pPr marL="1028700" indent="0">
+              <a:buNone/>
+              <a:defRPr sz="750"/>
             </a:lvl4pPr>
-            <a:lvl5pPr marL="1828800" indent="0">
-              <a:buNone/>
-              <a:defRPr sz="1000"/>
+            <a:lvl5pPr marL="1371600" indent="0">
+              <a:buNone/>
+              <a:defRPr sz="750"/>
             </a:lvl5pPr>
-            <a:lvl6pPr marL="2286000" indent="0">
-              <a:buNone/>
-              <a:defRPr sz="1000"/>
+            <a:lvl6pPr marL="1714500" indent="0">
+              <a:buNone/>
+              <a:defRPr sz="750"/>
             </a:lvl6pPr>
-            <a:lvl7pPr marL="2743200" indent="0">
-              <a:buNone/>
-              <a:defRPr sz="1000"/>
+            <a:lvl7pPr marL="2057400" indent="0">
+              <a:buNone/>
+              <a:defRPr sz="750"/>
             </a:lvl7pPr>
-            <a:lvl8pPr marL="3200400" indent="0">
-              <a:buNone/>
-              <a:defRPr sz="1000"/>
+            <a:lvl8pPr marL="2400300" indent="0">
+              <a:buNone/>
+              <a:defRPr sz="750"/>
             </a:lvl8pPr>
-            <a:lvl9pPr marL="3657600" indent="0">
-              <a:buNone/>
-              <a:defRPr sz="1000"/>
+            <a:lvl9pPr marL="2743200" indent="0">
+              <a:buNone/>
+              <a:defRPr sz="750"/>
             </a:lvl9pPr>
           </a:lstStyle>
           <a:p>
@@ -2354,13 +2082,7 @@
       </p:sp>
       <p:sp>
         <p:nvSpPr>
-          <p:cNvPr id="5" name="日期占位符 4">
-            <a:extLst>
-              <a:ext uri="{FF2B5EF4-FFF2-40B4-BE49-F238E27FC236}">
-                <a16:creationId xmlns:a16="http://schemas.microsoft.com/office/drawing/2014/main" id="{35AB2044-E968-4185-B7B5-EAFD4E487E06}"/>
-              </a:ext>
-            </a:extLst>
-          </p:cNvPr>
+          <p:cNvPr id="5" name="Date Placeholder 4"/>
           <p:cNvSpPr>
             <a:spLocks noGrp="1"/>
           </p:cNvSpPr>
@@ -2375,7 +2097,7 @@
           <a:p>
             <a:fld id="{C321EFB4-E963-41AF-9942-0B813FFD953A}" type="datetimeFigureOut">
               <a:rPr lang="zh-CN" altLang="en-US" smtClean="0"/>
-              <a:t>2019/11/29</a:t>
+              <a:t>2019/12/2</a:t>
             </a:fld>
             <a:endParaRPr lang="zh-CN" altLang="en-US"/>
           </a:p>
@@ -2383,13 +2105,7 @@
       </p:sp>
       <p:sp>
         <p:nvSpPr>
-          <p:cNvPr id="6" name="页脚占位符 5">
-            <a:extLst>
-              <a:ext uri="{FF2B5EF4-FFF2-40B4-BE49-F238E27FC236}">
-                <a16:creationId xmlns:a16="http://schemas.microsoft.com/office/drawing/2014/main" id="{9CB1C8F2-53F1-4A01-AB0D-045B63A6CBDF}"/>
-              </a:ext>
-            </a:extLst>
-          </p:cNvPr>
+          <p:cNvPr id="6" name="Footer Placeholder 5"/>
           <p:cNvSpPr>
             <a:spLocks noGrp="1"/>
           </p:cNvSpPr>
@@ -2408,13 +2124,7 @@
       </p:sp>
       <p:sp>
         <p:nvSpPr>
-          <p:cNvPr id="7" name="灯片编号占位符 6">
-            <a:extLst>
-              <a:ext uri="{FF2B5EF4-FFF2-40B4-BE49-F238E27FC236}">
-                <a16:creationId xmlns:a16="http://schemas.microsoft.com/office/drawing/2014/main" id="{9C37D632-F785-4B98-AD78-CB3D9F1EDC2A}"/>
-              </a:ext>
-            </a:extLst>
-          </p:cNvPr>
+          <p:cNvPr id="7" name="Slide Number Placeholder 6"/>
           <p:cNvSpPr>
             <a:spLocks noGrp="1"/>
           </p:cNvSpPr>
@@ -2438,7 +2148,7 @@
     </p:spTree>
     <p:extLst>
       <p:ext uri="{BB962C8B-B14F-4D97-AF65-F5344CB8AC3E}">
-        <p14:creationId xmlns:p14="http://schemas.microsoft.com/office/powerpoint/2010/main" val="3931951796"/>
+        <p14:creationId xmlns:p14="http://schemas.microsoft.com/office/powerpoint/2010/main" val="1660356986"/>
       </p:ext>
     </p:extLst>
   </p:cSld>
@@ -2467,13 +2177,7 @@
       </p:grpSpPr>
       <p:sp>
         <p:nvSpPr>
-          <p:cNvPr id="2" name="标题 1">
-            <a:extLst>
-              <a:ext uri="{FF2B5EF4-FFF2-40B4-BE49-F238E27FC236}">
-                <a16:creationId xmlns:a16="http://schemas.microsoft.com/office/drawing/2014/main" id="{BEF5165F-5858-47EE-82D6-9F0F650AF22A}"/>
-              </a:ext>
-            </a:extLst>
-          </p:cNvPr>
+          <p:cNvPr id="2" name="Title 1"/>
           <p:cNvSpPr>
             <a:spLocks noGrp="1"/>
           </p:cNvSpPr>
@@ -2483,15 +2187,15 @@
         </p:nvSpPr>
         <p:spPr>
           <a:xfrm>
-            <a:off x="839788" y="457200"/>
-            <a:ext cx="3932237" cy="1600200"/>
+            <a:off x="472381" y="812800"/>
+            <a:ext cx="2211884" cy="2844800"/>
           </a:xfrm>
         </p:spPr>
         <p:txBody>
           <a:bodyPr anchor="b"/>
           <a:lstStyle>
             <a:lvl1pPr>
-              <a:defRPr sz="3200"/>
+              <a:defRPr sz="2400"/>
             </a:lvl1pPr>
           </a:lstStyle>
           <a:p>
@@ -2499,20 +2203,15 @@
               <a:rPr lang="zh-CN" altLang="en-US"/>
               <a:t>单击此处编辑母版标题样式</a:t>
             </a:r>
-          </a:p>
-        </p:txBody>
-      </p:sp>
-      <p:sp>
-        <p:nvSpPr>
-          <p:cNvPr id="3" name="图片占位符 2">
-            <a:extLst>
-              <a:ext uri="{FF2B5EF4-FFF2-40B4-BE49-F238E27FC236}">
-                <a16:creationId xmlns:a16="http://schemas.microsoft.com/office/drawing/2014/main" id="{E5B541F0-C7A1-41A3-B554-1B57D65E42F2}"/>
-              </a:ext>
-            </a:extLst>
-          </p:cNvPr>
-          <p:cNvSpPr>
-            <a:spLocks noGrp="1"/>
+            <a:endParaRPr lang="en-US" dirty="0"/>
+          </a:p>
+        </p:txBody>
+      </p:sp>
+      <p:sp>
+        <p:nvSpPr>
+          <p:cNvPr id="3" name="Picture Placeholder 2"/>
+          <p:cNvSpPr>
+            <a:spLocks noGrp="1" noChangeAspect="1"/>
           </p:cNvSpPr>
           <p:nvPr>
             <p:ph type="pic" idx="1"/>
@@ -2520,64 +2219,62 @@
         </p:nvSpPr>
         <p:spPr>
           <a:xfrm>
-            <a:off x="5183188" y="987425"/>
-            <a:ext cx="6172200" cy="4873625"/>
+            <a:off x="2915543" y="1755425"/>
+            <a:ext cx="3471863" cy="8664222"/>
           </a:xfrm>
         </p:spPr>
         <p:txBody>
-          <a:bodyPr/>
+          <a:bodyPr anchor="t"/>
           <a:lstStyle>
             <a:lvl1pPr marL="0" indent="0">
               <a:buNone/>
-              <a:defRPr sz="3200"/>
+              <a:defRPr sz="2400"/>
             </a:lvl1pPr>
-            <a:lvl2pPr marL="457200" indent="0">
-              <a:buNone/>
-              <a:defRPr sz="2800"/>
+            <a:lvl2pPr marL="342900" indent="0">
+              <a:buNone/>
+              <a:defRPr sz="2100"/>
             </a:lvl2pPr>
-            <a:lvl3pPr marL="914400" indent="0">
-              <a:buNone/>
-              <a:defRPr sz="2400"/>
+            <a:lvl3pPr marL="685800" indent="0">
+              <a:buNone/>
+              <a:defRPr sz="1800"/>
             </a:lvl3pPr>
-            <a:lvl4pPr marL="1371600" indent="0">
-              <a:buNone/>
-              <a:defRPr sz="2000"/>
+            <a:lvl4pPr marL="1028700" indent="0">
+              <a:buNone/>
+              <a:defRPr sz="1500"/>
             </a:lvl4pPr>
-            <a:lvl5pPr marL="1828800" indent="0">
-              <a:buNone/>
-              <a:defRPr sz="2000"/>
+            <a:lvl5pPr marL="1371600" indent="0">
+              <a:buNone/>
+              <a:defRPr sz="1500"/>
             </a:lvl5pPr>
-            <a:lvl6pPr marL="2286000" indent="0">
-              <a:buNone/>
-              <a:defRPr sz="2000"/>
+            <a:lvl6pPr marL="1714500" indent="0">
+              <a:buNone/>
+              <a:defRPr sz="1500"/>
             </a:lvl6pPr>
-            <a:lvl7pPr marL="2743200" indent="0">
-              <a:buNone/>
-              <a:defRPr sz="2000"/>
+            <a:lvl7pPr marL="2057400" indent="0">
+              <a:buNone/>
+              <a:defRPr sz="1500"/>
             </a:lvl7pPr>
-            <a:lvl8pPr marL="3200400" indent="0">
-              <a:buNone/>
-              <a:defRPr sz="2000"/>
+            <a:lvl8pPr marL="2400300" indent="0">
+              <a:buNone/>
+              <a:defRPr sz="1500"/>
             </a:lvl8pPr>
-            <a:lvl9pPr marL="3657600" indent="0">
-              <a:buNone/>
-              <a:defRPr sz="2000"/>
+            <a:lvl9pPr marL="2743200" indent="0">
+              <a:buNone/>
+              <a:defRPr sz="1500"/>
             </a:lvl9pPr>
           </a:lstStyle>
           <a:p>
-            <a:endParaRPr lang="zh-CN" altLang="en-US"/>
-          </a:p>
-        </p:txBody>
-      </p:sp>
-      <p:sp>
-        <p:nvSpPr>
-          <p:cNvPr id="4" name="文本占位符 3">
-            <a:extLst>
-              <a:ext uri="{FF2B5EF4-FFF2-40B4-BE49-F238E27FC236}">
-                <a16:creationId xmlns:a16="http://schemas.microsoft.com/office/drawing/2014/main" id="{DBBC79A5-5880-4E48-952F-08A13F751FD0}"/>
-              </a:ext>
-            </a:extLst>
-          </p:cNvPr>
+            <a:r>
+              <a:rPr lang="zh-CN" altLang="en-US"/>
+              <a:t>单击图标添加图片</a:t>
+            </a:r>
+            <a:endParaRPr lang="en-US" dirty="0"/>
+          </a:p>
+        </p:txBody>
+      </p:sp>
+      <p:sp>
+        <p:nvSpPr>
+          <p:cNvPr id="4" name="Text Placeholder 3"/>
           <p:cNvSpPr>
             <a:spLocks noGrp="1"/>
           </p:cNvSpPr>
@@ -2587,8 +2284,8 @@
         </p:nvSpPr>
         <p:spPr>
           <a:xfrm>
-            <a:off x="839788" y="2057400"/>
-            <a:ext cx="3932237" cy="3811588"/>
+            <a:off x="472381" y="3657600"/>
+            <a:ext cx="2211884" cy="6776156"/>
           </a:xfrm>
         </p:spPr>
         <p:txBody>
@@ -2596,39 +2293,39 @@
           <a:lstStyle>
             <a:lvl1pPr marL="0" indent="0">
               <a:buNone/>
-              <a:defRPr sz="1600"/>
+              <a:defRPr sz="1200"/>
             </a:lvl1pPr>
-            <a:lvl2pPr marL="457200" indent="0">
-              <a:buNone/>
-              <a:defRPr sz="1400"/>
+            <a:lvl2pPr marL="342900" indent="0">
+              <a:buNone/>
+              <a:defRPr sz="1050"/>
             </a:lvl2pPr>
-            <a:lvl3pPr marL="914400" indent="0">
-              <a:buNone/>
-              <a:defRPr sz="1200"/>
+            <a:lvl3pPr marL="685800" indent="0">
+              <a:buNone/>
+              <a:defRPr sz="900"/>
             </a:lvl3pPr>
-            <a:lvl4pPr marL="1371600" indent="0">
-              <a:buNone/>
-              <a:defRPr sz="1000"/>
+            <a:lvl4pPr marL="1028700" indent="0">
+              <a:buNone/>
+              <a:defRPr sz="750"/>
             </a:lvl4pPr>
-            <a:lvl5pPr marL="1828800" indent="0">
-              <a:buNone/>
-              <a:defRPr sz="1000"/>
+            <a:lvl5pPr marL="1371600" indent="0">
+              <a:buNone/>
+              <a:defRPr sz="750"/>
             </a:lvl5pPr>
-            <a:lvl6pPr marL="2286000" indent="0">
-              <a:buNone/>
-              <a:defRPr sz="1000"/>
+            <a:lvl6pPr marL="1714500" indent="0">
+              <a:buNone/>
+              <a:defRPr sz="750"/>
             </a:lvl6pPr>
-            <a:lvl7pPr marL="2743200" indent="0">
-              <a:buNone/>
-              <a:defRPr sz="1000"/>
+            <a:lvl7pPr marL="2057400" indent="0">
+              <a:buNone/>
+              <a:defRPr sz="750"/>
             </a:lvl7pPr>
-            <a:lvl8pPr marL="3200400" indent="0">
-              <a:buNone/>
-              <a:defRPr sz="1000"/>
+            <a:lvl8pPr marL="2400300" indent="0">
+              <a:buNone/>
+              <a:defRPr sz="750"/>
             </a:lvl8pPr>
-            <a:lvl9pPr marL="3657600" indent="0">
-              <a:buNone/>
-              <a:defRPr sz="1000"/>
+            <a:lvl9pPr marL="2743200" indent="0">
+              <a:buNone/>
+              <a:defRPr sz="750"/>
             </a:lvl9pPr>
           </a:lstStyle>
           <a:p>
@@ -2642,13 +2339,7 @@
       </p:sp>
       <p:sp>
         <p:nvSpPr>
-          <p:cNvPr id="5" name="日期占位符 4">
-            <a:extLst>
-              <a:ext uri="{FF2B5EF4-FFF2-40B4-BE49-F238E27FC236}">
-                <a16:creationId xmlns:a16="http://schemas.microsoft.com/office/drawing/2014/main" id="{B18DAE78-890D-4777-8579-3A81E0451080}"/>
-              </a:ext>
-            </a:extLst>
-          </p:cNvPr>
+          <p:cNvPr id="5" name="Date Placeholder 4"/>
           <p:cNvSpPr>
             <a:spLocks noGrp="1"/>
           </p:cNvSpPr>
@@ -2663,7 +2354,7 @@
           <a:p>
             <a:fld id="{C321EFB4-E963-41AF-9942-0B813FFD953A}" type="datetimeFigureOut">
               <a:rPr lang="zh-CN" altLang="en-US" smtClean="0"/>
-              <a:t>2019/11/29</a:t>
+              <a:t>2019/12/2</a:t>
             </a:fld>
             <a:endParaRPr lang="zh-CN" altLang="en-US"/>
           </a:p>
@@ -2671,13 +2362,7 @@
       </p:sp>
       <p:sp>
         <p:nvSpPr>
-          <p:cNvPr id="6" name="页脚占位符 5">
-            <a:extLst>
-              <a:ext uri="{FF2B5EF4-FFF2-40B4-BE49-F238E27FC236}">
-                <a16:creationId xmlns:a16="http://schemas.microsoft.com/office/drawing/2014/main" id="{B872DF77-CCB6-4B52-9E80-6F40137D7B86}"/>
-              </a:ext>
-            </a:extLst>
-          </p:cNvPr>
+          <p:cNvPr id="6" name="Footer Placeholder 5"/>
           <p:cNvSpPr>
             <a:spLocks noGrp="1"/>
           </p:cNvSpPr>
@@ -2696,13 +2381,7 @@
       </p:sp>
       <p:sp>
         <p:nvSpPr>
-          <p:cNvPr id="7" name="灯片编号占位符 6">
-            <a:extLst>
-              <a:ext uri="{FF2B5EF4-FFF2-40B4-BE49-F238E27FC236}">
-                <a16:creationId xmlns:a16="http://schemas.microsoft.com/office/drawing/2014/main" id="{ED9643C4-DE8C-4959-B703-6BDC161F1321}"/>
-              </a:ext>
-            </a:extLst>
-          </p:cNvPr>
+          <p:cNvPr id="7" name="Slide Number Placeholder 6"/>
           <p:cNvSpPr>
             <a:spLocks noGrp="1"/>
           </p:cNvSpPr>
@@ -2726,7 +2405,7 @@
     </p:spTree>
     <p:extLst>
       <p:ext uri="{BB962C8B-B14F-4D97-AF65-F5344CB8AC3E}">
-        <p14:creationId xmlns:p14="http://schemas.microsoft.com/office/powerpoint/2010/main" val="1374526638"/>
+        <p14:creationId xmlns:p14="http://schemas.microsoft.com/office/powerpoint/2010/main" val="2194476876"/>
       </p:ext>
     </p:extLst>
   </p:cSld>
@@ -2760,13 +2439,7 @@
       </p:grpSpPr>
       <p:sp>
         <p:nvSpPr>
-          <p:cNvPr id="2" name="标题占位符 1">
-            <a:extLst>
-              <a:ext uri="{FF2B5EF4-FFF2-40B4-BE49-F238E27FC236}">
-                <a16:creationId xmlns:a16="http://schemas.microsoft.com/office/drawing/2014/main" id="{48DF293B-3A86-455E-8B23-0DD6423A25F4}"/>
-              </a:ext>
-            </a:extLst>
-          </p:cNvPr>
+          <p:cNvPr id="2" name="Title Placeholder 1"/>
           <p:cNvSpPr>
             <a:spLocks noGrp="1"/>
           </p:cNvSpPr>
@@ -2776,8 +2449,8 @@
         </p:nvSpPr>
         <p:spPr>
           <a:xfrm>
-            <a:off x="838200" y="365125"/>
-            <a:ext cx="10515600" cy="1325563"/>
+            <a:off x="471488" y="649114"/>
+            <a:ext cx="5915025" cy="2356556"/>
           </a:xfrm>
           <a:prstGeom prst="rect">
             <a:avLst/>
@@ -2793,18 +2466,13 @@
               <a:rPr lang="zh-CN" altLang="en-US"/>
               <a:t>单击此处编辑母版标题样式</a:t>
             </a:r>
-          </a:p>
-        </p:txBody>
-      </p:sp>
-      <p:sp>
-        <p:nvSpPr>
-          <p:cNvPr id="3" name="文本占位符 2">
-            <a:extLst>
-              <a:ext uri="{FF2B5EF4-FFF2-40B4-BE49-F238E27FC236}">
-                <a16:creationId xmlns:a16="http://schemas.microsoft.com/office/drawing/2014/main" id="{FC4D4077-4437-4C67-B51E-708523D74985}"/>
-              </a:ext>
-            </a:extLst>
-          </p:cNvPr>
+            <a:endParaRPr lang="en-US" dirty="0"/>
+          </a:p>
+        </p:txBody>
+      </p:sp>
+      <p:sp>
+        <p:nvSpPr>
+          <p:cNvPr id="3" name="Text Placeholder 2"/>
           <p:cNvSpPr>
             <a:spLocks noGrp="1"/>
           </p:cNvSpPr>
@@ -2814,8 +2482,8 @@
         </p:nvSpPr>
         <p:spPr>
           <a:xfrm>
-            <a:off x="838200" y="1825625"/>
-            <a:ext cx="10515600" cy="4351338"/>
+            <a:off x="471488" y="3245556"/>
+            <a:ext cx="5915025" cy="7735712"/>
           </a:xfrm>
           <a:prstGeom prst="rect">
             <a:avLst/>
@@ -2860,18 +2528,13 @@
               <a:rPr lang="zh-CN" altLang="en-US"/>
               <a:t>五级</a:t>
             </a:r>
-          </a:p>
-        </p:txBody>
-      </p:sp>
-      <p:sp>
-        <p:nvSpPr>
-          <p:cNvPr id="4" name="日期占位符 3">
-            <a:extLst>
-              <a:ext uri="{FF2B5EF4-FFF2-40B4-BE49-F238E27FC236}">
-                <a16:creationId xmlns:a16="http://schemas.microsoft.com/office/drawing/2014/main" id="{380E9557-79A8-4251-AEF9-AFBA73807E5F}"/>
-              </a:ext>
-            </a:extLst>
-          </p:cNvPr>
+            <a:endParaRPr lang="en-US" dirty="0"/>
+          </a:p>
+        </p:txBody>
+      </p:sp>
+      <p:sp>
+        <p:nvSpPr>
+          <p:cNvPr id="4" name="Date Placeholder 3"/>
           <p:cNvSpPr>
             <a:spLocks noGrp="1"/>
           </p:cNvSpPr>
@@ -2881,8 +2544,8 @@
         </p:nvSpPr>
         <p:spPr>
           <a:xfrm>
-            <a:off x="838200" y="6356350"/>
-            <a:ext cx="2743200" cy="365125"/>
+            <a:off x="471488" y="11300181"/>
+            <a:ext cx="1543050" cy="649111"/>
           </a:xfrm>
           <a:prstGeom prst="rect">
             <a:avLst/>
@@ -2892,7 +2555,7 @@
           <a:bodyPr vert="horz" lIns="91440" tIns="45720" rIns="91440" bIns="45720" rtlCol="0" anchor="ctr"/>
           <a:lstStyle>
             <a:lvl1pPr algn="l">
-              <a:defRPr sz="1200">
+              <a:defRPr sz="900">
                 <a:solidFill>
                   <a:schemeClr val="tx1">
                     <a:tint val="75000"/>
@@ -2904,7 +2567,7 @@
           <a:p>
             <a:fld id="{C321EFB4-E963-41AF-9942-0B813FFD953A}" type="datetimeFigureOut">
               <a:rPr lang="zh-CN" altLang="en-US" smtClean="0"/>
-              <a:t>2019/11/29</a:t>
+              <a:t>2019/12/2</a:t>
             </a:fld>
             <a:endParaRPr lang="zh-CN" altLang="en-US"/>
           </a:p>
@@ -2912,13 +2575,7 @@
       </p:sp>
       <p:sp>
         <p:nvSpPr>
-          <p:cNvPr id="5" name="页脚占位符 4">
-            <a:extLst>
-              <a:ext uri="{FF2B5EF4-FFF2-40B4-BE49-F238E27FC236}">
-                <a16:creationId xmlns:a16="http://schemas.microsoft.com/office/drawing/2014/main" id="{208A8F9A-15CF-460E-B0D1-A7B2EE642182}"/>
-              </a:ext>
-            </a:extLst>
-          </p:cNvPr>
+          <p:cNvPr id="5" name="Footer Placeholder 4"/>
           <p:cNvSpPr>
             <a:spLocks noGrp="1"/>
           </p:cNvSpPr>
@@ -2928,8 +2585,8 @@
         </p:nvSpPr>
         <p:spPr>
           <a:xfrm>
-            <a:off x="4038600" y="6356350"/>
-            <a:ext cx="4114800" cy="365125"/>
+            <a:off x="2271713" y="11300181"/>
+            <a:ext cx="2314575" cy="649111"/>
           </a:xfrm>
           <a:prstGeom prst="rect">
             <a:avLst/>
@@ -2939,7 +2596,7 @@
           <a:bodyPr vert="horz" lIns="91440" tIns="45720" rIns="91440" bIns="45720" rtlCol="0" anchor="ctr"/>
           <a:lstStyle>
             <a:lvl1pPr algn="ctr">
-              <a:defRPr sz="1200">
+              <a:defRPr sz="900">
                 <a:solidFill>
                   <a:schemeClr val="tx1">
                     <a:tint val="75000"/>
@@ -2955,13 +2612,7 @@
       </p:sp>
       <p:sp>
         <p:nvSpPr>
-          <p:cNvPr id="6" name="灯片编号占位符 5">
-            <a:extLst>
-              <a:ext uri="{FF2B5EF4-FFF2-40B4-BE49-F238E27FC236}">
-                <a16:creationId xmlns:a16="http://schemas.microsoft.com/office/drawing/2014/main" id="{8CEE25E8-64D8-4DE4-ADDC-C28D9EE2F0DF}"/>
-              </a:ext>
-            </a:extLst>
-          </p:cNvPr>
+          <p:cNvPr id="6" name="Slide Number Placeholder 5"/>
           <p:cNvSpPr>
             <a:spLocks noGrp="1"/>
           </p:cNvSpPr>
@@ -2971,8 +2622,8 @@
         </p:nvSpPr>
         <p:spPr>
           <a:xfrm>
-            <a:off x="8610600" y="6356350"/>
-            <a:ext cx="2743200" cy="365125"/>
+            <a:off x="4843463" y="11300181"/>
+            <a:ext cx="1543050" cy="649111"/>
           </a:xfrm>
           <a:prstGeom prst="rect">
             <a:avLst/>
@@ -2982,7 +2633,7 @@
           <a:bodyPr vert="horz" lIns="91440" tIns="45720" rIns="91440" bIns="45720" rtlCol="0" anchor="ctr"/>
           <a:lstStyle>
             <a:lvl1pPr algn="r">
-              <a:defRPr sz="1200">
+              <a:defRPr sz="900">
                 <a:solidFill>
                   <a:schemeClr val="tx1">
                     <a:tint val="75000"/>
@@ -3003,27 +2654,27 @@
     </p:spTree>
     <p:extLst>
       <p:ext uri="{BB962C8B-B14F-4D97-AF65-F5344CB8AC3E}">
-        <p14:creationId xmlns:p14="http://schemas.microsoft.com/office/powerpoint/2010/main" val="864317196"/>
+        <p14:creationId xmlns:p14="http://schemas.microsoft.com/office/powerpoint/2010/main" val="2270607087"/>
       </p:ext>
     </p:extLst>
   </p:cSld>
   <p:clrMap bg1="lt1" tx1="dk1" bg2="lt2" tx2="dk2" accent1="accent1" accent2="accent2" accent3="accent3" accent4="accent4" accent5="accent5" accent6="accent6" hlink="hlink" folHlink="folHlink"/>
   <p:sldLayoutIdLst>
-    <p:sldLayoutId id="2147483649" r:id="rId1"/>
-    <p:sldLayoutId id="2147483650" r:id="rId2"/>
-    <p:sldLayoutId id="2147483651" r:id="rId3"/>
-    <p:sldLayoutId id="2147483652" r:id="rId4"/>
-    <p:sldLayoutId id="2147483653" r:id="rId5"/>
-    <p:sldLayoutId id="2147483654" r:id="rId6"/>
-    <p:sldLayoutId id="2147483655" r:id="rId7"/>
-    <p:sldLayoutId id="2147483656" r:id="rId8"/>
-    <p:sldLayoutId id="2147483657" r:id="rId9"/>
-    <p:sldLayoutId id="2147483658" r:id="rId10"/>
-    <p:sldLayoutId id="2147483659" r:id="rId11"/>
+    <p:sldLayoutId id="2147483661" r:id="rId1"/>
+    <p:sldLayoutId id="2147483662" r:id="rId2"/>
+    <p:sldLayoutId id="2147483663" r:id="rId3"/>
+    <p:sldLayoutId id="2147483664" r:id="rId4"/>
+    <p:sldLayoutId id="2147483665" r:id="rId5"/>
+    <p:sldLayoutId id="2147483666" r:id="rId6"/>
+    <p:sldLayoutId id="2147483667" r:id="rId7"/>
+    <p:sldLayoutId id="2147483668" r:id="rId8"/>
+    <p:sldLayoutId id="2147483669" r:id="rId9"/>
+    <p:sldLayoutId id="2147483670" r:id="rId10"/>
+    <p:sldLayoutId id="2147483671" r:id="rId11"/>
   </p:sldLayoutIdLst>
   <p:txStyles>
     <p:titleStyle>
-      <a:lvl1pPr algn="l" defTabSz="914400" rtl="0" eaLnBrk="1" latinLnBrk="0" hangingPunct="1">
+      <a:lvl1pPr algn="l" defTabSz="685800" rtl="0" eaLnBrk="1" latinLnBrk="0" hangingPunct="1">
         <a:lnSpc>
           <a:spcPct val="90000"/>
         </a:lnSpc>
@@ -3031,7 +2682,7 @@
           <a:spcPct val="0"/>
         </a:spcBef>
         <a:buNone/>
-        <a:defRPr sz="4400" kern="1200">
+        <a:defRPr sz="3300" kern="1200">
           <a:solidFill>
             <a:schemeClr val="tx1"/>
           </a:solidFill>
@@ -3042,16 +2693,16 @@
       </a:lvl1pPr>
     </p:titleStyle>
     <p:bodyStyle>
-      <a:lvl1pPr marL="228600" indent="-228600" algn="l" defTabSz="914400" rtl="0" eaLnBrk="1" latinLnBrk="0" hangingPunct="1">
+      <a:lvl1pPr marL="171450" indent="-171450" algn="l" defTabSz="685800" rtl="0" eaLnBrk="1" latinLnBrk="0" hangingPunct="1">
         <a:lnSpc>
           <a:spcPct val="90000"/>
         </a:lnSpc>
         <a:spcBef>
-          <a:spcPts val="1000"/>
+          <a:spcPts val="750"/>
         </a:spcBef>
         <a:buFont typeface="Arial" panose="020B0604020202020204" pitchFamily="34" charset="0"/>
         <a:buChar char="•"/>
-        <a:defRPr sz="2800" kern="1200">
+        <a:defRPr sz="2100" kern="1200">
           <a:solidFill>
             <a:schemeClr val="tx1"/>
           </a:solidFill>
@@ -3060,48 +2711,12 @@
           <a:cs typeface="+mn-cs"/>
         </a:defRPr>
       </a:lvl1pPr>
-      <a:lvl2pPr marL="685800" indent="-228600" algn="l" defTabSz="914400" rtl="0" eaLnBrk="1" latinLnBrk="0" hangingPunct="1">
+      <a:lvl2pPr marL="514350" indent="-171450" algn="l" defTabSz="685800" rtl="0" eaLnBrk="1" latinLnBrk="0" hangingPunct="1">
         <a:lnSpc>
           <a:spcPct val="90000"/>
         </a:lnSpc>
         <a:spcBef>
-          <a:spcPts val="500"/>
-        </a:spcBef>
-        <a:buFont typeface="Arial" panose="020B0604020202020204" pitchFamily="34" charset="0"/>
-        <a:buChar char="•"/>
-        <a:defRPr sz="2400" kern="1200">
-          <a:solidFill>
-            <a:schemeClr val="tx1"/>
-          </a:solidFill>
-          <a:latin typeface="+mn-lt"/>
-          <a:ea typeface="+mn-ea"/>
-          <a:cs typeface="+mn-cs"/>
-        </a:defRPr>
-      </a:lvl2pPr>
-      <a:lvl3pPr marL="1143000" indent="-228600" algn="l" defTabSz="914400" rtl="0" eaLnBrk="1" latinLnBrk="0" hangingPunct="1">
-        <a:lnSpc>
-          <a:spcPct val="90000"/>
-        </a:lnSpc>
-        <a:spcBef>
-          <a:spcPts val="500"/>
-        </a:spcBef>
-        <a:buFont typeface="Arial" panose="020B0604020202020204" pitchFamily="34" charset="0"/>
-        <a:buChar char="•"/>
-        <a:defRPr sz="2000" kern="1200">
-          <a:solidFill>
-            <a:schemeClr val="tx1"/>
-          </a:solidFill>
-          <a:latin typeface="+mn-lt"/>
-          <a:ea typeface="+mn-ea"/>
-          <a:cs typeface="+mn-cs"/>
-        </a:defRPr>
-      </a:lvl3pPr>
-      <a:lvl4pPr marL="1600200" indent="-228600" algn="l" defTabSz="914400" rtl="0" eaLnBrk="1" latinLnBrk="0" hangingPunct="1">
-        <a:lnSpc>
-          <a:spcPct val="90000"/>
-        </a:lnSpc>
-        <a:spcBef>
-          <a:spcPts val="500"/>
+          <a:spcPts val="375"/>
         </a:spcBef>
         <a:buFont typeface="Arial" panose="020B0604020202020204" pitchFamily="34" charset="0"/>
         <a:buChar char="•"/>
@@ -3113,17 +2728,53 @@
           <a:ea typeface="+mn-ea"/>
           <a:cs typeface="+mn-cs"/>
         </a:defRPr>
-      </a:lvl4pPr>
-      <a:lvl5pPr marL="2057400" indent="-228600" algn="l" defTabSz="914400" rtl="0" eaLnBrk="1" latinLnBrk="0" hangingPunct="1">
+      </a:lvl2pPr>
+      <a:lvl3pPr marL="857250" indent="-171450" algn="l" defTabSz="685800" rtl="0" eaLnBrk="1" latinLnBrk="0" hangingPunct="1">
         <a:lnSpc>
           <a:spcPct val="90000"/>
         </a:lnSpc>
         <a:spcBef>
-          <a:spcPts val="500"/>
+          <a:spcPts val="375"/>
         </a:spcBef>
         <a:buFont typeface="Arial" panose="020B0604020202020204" pitchFamily="34" charset="0"/>
         <a:buChar char="•"/>
-        <a:defRPr sz="1800" kern="1200">
+        <a:defRPr sz="1500" kern="1200">
+          <a:solidFill>
+            <a:schemeClr val="tx1"/>
+          </a:solidFill>
+          <a:latin typeface="+mn-lt"/>
+          <a:ea typeface="+mn-ea"/>
+          <a:cs typeface="+mn-cs"/>
+        </a:defRPr>
+      </a:lvl3pPr>
+      <a:lvl4pPr marL="1200150" indent="-171450" algn="l" defTabSz="685800" rtl="0" eaLnBrk="1" latinLnBrk="0" hangingPunct="1">
+        <a:lnSpc>
+          <a:spcPct val="90000"/>
+        </a:lnSpc>
+        <a:spcBef>
+          <a:spcPts val="375"/>
+        </a:spcBef>
+        <a:buFont typeface="Arial" panose="020B0604020202020204" pitchFamily="34" charset="0"/>
+        <a:buChar char="•"/>
+        <a:defRPr sz="1350" kern="1200">
+          <a:solidFill>
+            <a:schemeClr val="tx1"/>
+          </a:solidFill>
+          <a:latin typeface="+mn-lt"/>
+          <a:ea typeface="+mn-ea"/>
+          <a:cs typeface="+mn-cs"/>
+        </a:defRPr>
+      </a:lvl4pPr>
+      <a:lvl5pPr marL="1543050" indent="-171450" algn="l" defTabSz="685800" rtl="0" eaLnBrk="1" latinLnBrk="0" hangingPunct="1">
+        <a:lnSpc>
+          <a:spcPct val="90000"/>
+        </a:lnSpc>
+        <a:spcBef>
+          <a:spcPts val="375"/>
+        </a:spcBef>
+        <a:buFont typeface="Arial" panose="020B0604020202020204" pitchFamily="34" charset="0"/>
+        <a:buChar char="•"/>
+        <a:defRPr sz="1350" kern="1200">
           <a:solidFill>
             <a:schemeClr val="tx1"/>
           </a:solidFill>
@@ -3132,16 +2783,16 @@
           <a:cs typeface="+mn-cs"/>
         </a:defRPr>
       </a:lvl5pPr>
-      <a:lvl6pPr marL="2514600" indent="-228600" algn="l" defTabSz="914400" rtl="0" eaLnBrk="1" latinLnBrk="0" hangingPunct="1">
+      <a:lvl6pPr marL="1885950" indent="-171450" algn="l" defTabSz="685800" rtl="0" eaLnBrk="1" latinLnBrk="0" hangingPunct="1">
         <a:lnSpc>
           <a:spcPct val="90000"/>
         </a:lnSpc>
         <a:spcBef>
-          <a:spcPts val="500"/>
+          <a:spcPts val="375"/>
         </a:spcBef>
         <a:buFont typeface="Arial" panose="020B0604020202020204" pitchFamily="34" charset="0"/>
         <a:buChar char="•"/>
-        <a:defRPr sz="1800" kern="1200">
+        <a:defRPr sz="1350" kern="1200">
           <a:solidFill>
             <a:schemeClr val="tx1"/>
           </a:solidFill>
@@ -3150,16 +2801,16 @@
           <a:cs typeface="+mn-cs"/>
         </a:defRPr>
       </a:lvl6pPr>
-      <a:lvl7pPr marL="2971800" indent="-228600" algn="l" defTabSz="914400" rtl="0" eaLnBrk="1" latinLnBrk="0" hangingPunct="1">
+      <a:lvl7pPr marL="2228850" indent="-171450" algn="l" defTabSz="685800" rtl="0" eaLnBrk="1" latinLnBrk="0" hangingPunct="1">
         <a:lnSpc>
           <a:spcPct val="90000"/>
         </a:lnSpc>
         <a:spcBef>
-          <a:spcPts val="500"/>
+          <a:spcPts val="375"/>
         </a:spcBef>
         <a:buFont typeface="Arial" panose="020B0604020202020204" pitchFamily="34" charset="0"/>
         <a:buChar char="•"/>
-        <a:defRPr sz="1800" kern="1200">
+        <a:defRPr sz="1350" kern="1200">
           <a:solidFill>
             <a:schemeClr val="tx1"/>
           </a:solidFill>
@@ -3168,16 +2819,16 @@
           <a:cs typeface="+mn-cs"/>
         </a:defRPr>
       </a:lvl7pPr>
-      <a:lvl8pPr marL="3429000" indent="-228600" algn="l" defTabSz="914400" rtl="0" eaLnBrk="1" latinLnBrk="0" hangingPunct="1">
+      <a:lvl8pPr marL="2571750" indent="-171450" algn="l" defTabSz="685800" rtl="0" eaLnBrk="1" latinLnBrk="0" hangingPunct="1">
         <a:lnSpc>
           <a:spcPct val="90000"/>
         </a:lnSpc>
         <a:spcBef>
-          <a:spcPts val="500"/>
+          <a:spcPts val="375"/>
         </a:spcBef>
         <a:buFont typeface="Arial" panose="020B0604020202020204" pitchFamily="34" charset="0"/>
         <a:buChar char="•"/>
-        <a:defRPr sz="1800" kern="1200">
+        <a:defRPr sz="1350" kern="1200">
           <a:solidFill>
             <a:schemeClr val="tx1"/>
           </a:solidFill>
@@ -3186,16 +2837,16 @@
           <a:cs typeface="+mn-cs"/>
         </a:defRPr>
       </a:lvl8pPr>
-      <a:lvl9pPr marL="3886200" indent="-228600" algn="l" defTabSz="914400" rtl="0" eaLnBrk="1" latinLnBrk="0" hangingPunct="1">
+      <a:lvl9pPr marL="2914650" indent="-171450" algn="l" defTabSz="685800" rtl="0" eaLnBrk="1" latinLnBrk="0" hangingPunct="1">
         <a:lnSpc>
           <a:spcPct val="90000"/>
         </a:lnSpc>
         <a:spcBef>
-          <a:spcPts val="500"/>
+          <a:spcPts val="375"/>
         </a:spcBef>
         <a:buFont typeface="Arial" panose="020B0604020202020204" pitchFamily="34" charset="0"/>
         <a:buChar char="•"/>
-        <a:defRPr sz="1800" kern="1200">
+        <a:defRPr sz="1350" kern="1200">
           <a:solidFill>
             <a:schemeClr val="tx1"/>
           </a:solidFill>
@@ -3207,10 +2858,10 @@
     </p:bodyStyle>
     <p:otherStyle>
       <a:defPPr>
-        <a:defRPr lang="zh-CN"/>
+        <a:defRPr lang="en-US"/>
       </a:defPPr>
-      <a:lvl1pPr marL="0" algn="l" defTabSz="914400" rtl="0" eaLnBrk="1" latinLnBrk="0" hangingPunct="1">
-        <a:defRPr sz="1800" kern="1200">
+      <a:lvl1pPr marL="0" algn="l" defTabSz="685800" rtl="0" eaLnBrk="1" latinLnBrk="0" hangingPunct="1">
+        <a:defRPr sz="1350" kern="1200">
           <a:solidFill>
             <a:schemeClr val="tx1"/>
           </a:solidFill>
@@ -3219,8 +2870,8 @@
           <a:cs typeface="+mn-cs"/>
         </a:defRPr>
       </a:lvl1pPr>
-      <a:lvl2pPr marL="457200" algn="l" defTabSz="914400" rtl="0" eaLnBrk="1" latinLnBrk="0" hangingPunct="1">
-        <a:defRPr sz="1800" kern="1200">
+      <a:lvl2pPr marL="342900" algn="l" defTabSz="685800" rtl="0" eaLnBrk="1" latinLnBrk="0" hangingPunct="1">
+        <a:defRPr sz="1350" kern="1200">
           <a:solidFill>
             <a:schemeClr val="tx1"/>
           </a:solidFill>
@@ -3229,8 +2880,8 @@
           <a:cs typeface="+mn-cs"/>
         </a:defRPr>
       </a:lvl2pPr>
-      <a:lvl3pPr marL="914400" algn="l" defTabSz="914400" rtl="0" eaLnBrk="1" latinLnBrk="0" hangingPunct="1">
-        <a:defRPr sz="1800" kern="1200">
+      <a:lvl3pPr marL="685800" algn="l" defTabSz="685800" rtl="0" eaLnBrk="1" latinLnBrk="0" hangingPunct="1">
+        <a:defRPr sz="1350" kern="1200">
           <a:solidFill>
             <a:schemeClr val="tx1"/>
           </a:solidFill>
@@ -3239,8 +2890,8 @@
           <a:cs typeface="+mn-cs"/>
         </a:defRPr>
       </a:lvl3pPr>
-      <a:lvl4pPr marL="1371600" algn="l" defTabSz="914400" rtl="0" eaLnBrk="1" latinLnBrk="0" hangingPunct="1">
-        <a:defRPr sz="1800" kern="1200">
+      <a:lvl4pPr marL="1028700" algn="l" defTabSz="685800" rtl="0" eaLnBrk="1" latinLnBrk="0" hangingPunct="1">
+        <a:defRPr sz="1350" kern="1200">
           <a:solidFill>
             <a:schemeClr val="tx1"/>
           </a:solidFill>
@@ -3249,8 +2900,8 @@
           <a:cs typeface="+mn-cs"/>
         </a:defRPr>
       </a:lvl4pPr>
-      <a:lvl5pPr marL="1828800" algn="l" defTabSz="914400" rtl="0" eaLnBrk="1" latinLnBrk="0" hangingPunct="1">
-        <a:defRPr sz="1800" kern="1200">
+      <a:lvl5pPr marL="1371600" algn="l" defTabSz="685800" rtl="0" eaLnBrk="1" latinLnBrk="0" hangingPunct="1">
+        <a:defRPr sz="1350" kern="1200">
           <a:solidFill>
             <a:schemeClr val="tx1"/>
           </a:solidFill>
@@ -3259,8 +2910,8 @@
           <a:cs typeface="+mn-cs"/>
         </a:defRPr>
       </a:lvl5pPr>
-      <a:lvl6pPr marL="2286000" algn="l" defTabSz="914400" rtl="0" eaLnBrk="1" latinLnBrk="0" hangingPunct="1">
-        <a:defRPr sz="1800" kern="1200">
+      <a:lvl6pPr marL="1714500" algn="l" defTabSz="685800" rtl="0" eaLnBrk="1" latinLnBrk="0" hangingPunct="1">
+        <a:defRPr sz="1350" kern="1200">
           <a:solidFill>
             <a:schemeClr val="tx1"/>
           </a:solidFill>
@@ -3269,8 +2920,8 @@
           <a:cs typeface="+mn-cs"/>
         </a:defRPr>
       </a:lvl6pPr>
-      <a:lvl7pPr marL="2743200" algn="l" defTabSz="914400" rtl="0" eaLnBrk="1" latinLnBrk="0" hangingPunct="1">
-        <a:defRPr sz="1800" kern="1200">
+      <a:lvl7pPr marL="2057400" algn="l" defTabSz="685800" rtl="0" eaLnBrk="1" latinLnBrk="0" hangingPunct="1">
+        <a:defRPr sz="1350" kern="1200">
           <a:solidFill>
             <a:schemeClr val="tx1"/>
           </a:solidFill>
@@ -3279,8 +2930,8 @@
           <a:cs typeface="+mn-cs"/>
         </a:defRPr>
       </a:lvl7pPr>
-      <a:lvl8pPr marL="3200400" algn="l" defTabSz="914400" rtl="0" eaLnBrk="1" latinLnBrk="0" hangingPunct="1">
-        <a:defRPr sz="1800" kern="1200">
+      <a:lvl8pPr marL="2400300" algn="l" defTabSz="685800" rtl="0" eaLnBrk="1" latinLnBrk="0" hangingPunct="1">
+        <a:defRPr sz="1350" kern="1200">
           <a:solidFill>
             <a:schemeClr val="tx1"/>
           </a:solidFill>
@@ -3289,8 +2940,8 @@
           <a:cs typeface="+mn-cs"/>
         </a:defRPr>
       </a:lvl8pPr>
-      <a:lvl9pPr marL="3657600" algn="l" defTabSz="914400" rtl="0" eaLnBrk="1" latinLnBrk="0" hangingPunct="1">
-        <a:defRPr sz="1800" kern="1200">
+      <a:lvl9pPr marL="2743200" algn="l" defTabSz="685800" rtl="0" eaLnBrk="1" latinLnBrk="0" hangingPunct="1">
+        <a:defRPr sz="1350" kern="1200">
           <a:solidFill>
             <a:schemeClr val="tx1"/>
           </a:solidFill>
@@ -3323,6 +2974,162 @@
       </p:grpSpPr>
       <p:sp>
         <p:nvSpPr>
+          <p:cNvPr id="18" name="矩形: 圆角 17">
+            <a:extLst>
+              <a:ext uri="{FF2B5EF4-FFF2-40B4-BE49-F238E27FC236}">
+                <a16:creationId xmlns:a16="http://schemas.microsoft.com/office/drawing/2014/main" id="{8B6F2474-07BD-4241-91DA-7FC0005DFB40}"/>
+              </a:ext>
+            </a:extLst>
+          </p:cNvPr>
+          <p:cNvSpPr/>
+          <p:nvPr/>
+        </p:nvSpPr>
+        <p:spPr>
+          <a:xfrm>
+            <a:off x="1904209" y="8333901"/>
+            <a:ext cx="3430357" cy="993806"/>
+          </a:xfrm>
+          <a:prstGeom prst="roundRect">
+            <a:avLst/>
+          </a:prstGeom>
+          <a:solidFill>
+            <a:schemeClr val="accent1">
+              <a:lumMod val="40000"/>
+              <a:lumOff val="60000"/>
+            </a:schemeClr>
+          </a:solidFill>
+        </p:spPr>
+        <p:style>
+          <a:lnRef idx="2">
+            <a:schemeClr val="accent1">
+              <a:shade val="50000"/>
+            </a:schemeClr>
+          </a:lnRef>
+          <a:fillRef idx="1">
+            <a:schemeClr val="accent1"/>
+          </a:fillRef>
+          <a:effectRef idx="0">
+            <a:schemeClr val="accent1"/>
+          </a:effectRef>
+          <a:fontRef idx="minor">
+            <a:schemeClr val="lt1"/>
+          </a:fontRef>
+        </p:style>
+        <p:txBody>
+          <a:bodyPr rtlCol="0" anchor="ctr"/>
+          <a:lstStyle/>
+          <a:p>
+            <a:pPr algn="ctr"/>
+            <a:endParaRPr lang="zh-CN" altLang="en-US"/>
+          </a:p>
+        </p:txBody>
+      </p:sp>
+      <p:sp>
+        <p:nvSpPr>
+          <p:cNvPr id="17" name="矩形: 圆角 16">
+            <a:extLst>
+              <a:ext uri="{FF2B5EF4-FFF2-40B4-BE49-F238E27FC236}">
+                <a16:creationId xmlns:a16="http://schemas.microsoft.com/office/drawing/2014/main" id="{47505E59-F745-43DF-9B47-96A51F61D0F8}"/>
+              </a:ext>
+            </a:extLst>
+          </p:cNvPr>
+          <p:cNvSpPr/>
+          <p:nvPr/>
+        </p:nvSpPr>
+        <p:spPr>
+          <a:xfrm>
+            <a:off x="1466850" y="6699275"/>
+            <a:ext cx="4136321" cy="1380909"/>
+          </a:xfrm>
+          <a:prstGeom prst="roundRect">
+            <a:avLst/>
+          </a:prstGeom>
+          <a:solidFill>
+            <a:schemeClr val="accent1">
+              <a:lumMod val="40000"/>
+              <a:lumOff val="60000"/>
+            </a:schemeClr>
+          </a:solidFill>
+        </p:spPr>
+        <p:style>
+          <a:lnRef idx="2">
+            <a:schemeClr val="accent1">
+              <a:shade val="50000"/>
+            </a:schemeClr>
+          </a:lnRef>
+          <a:fillRef idx="1">
+            <a:schemeClr val="accent1"/>
+          </a:fillRef>
+          <a:effectRef idx="0">
+            <a:schemeClr val="accent1"/>
+          </a:effectRef>
+          <a:fontRef idx="minor">
+            <a:schemeClr val="lt1"/>
+          </a:fontRef>
+        </p:style>
+        <p:txBody>
+          <a:bodyPr rtlCol="0" anchor="ctr"/>
+          <a:lstStyle/>
+          <a:p>
+            <a:pPr algn="ctr"/>
+            <a:endParaRPr lang="zh-CN" altLang="en-US"/>
+          </a:p>
+        </p:txBody>
+      </p:sp>
+      <p:sp>
+        <p:nvSpPr>
+          <p:cNvPr id="3" name="矩形: 圆角 2">
+            <a:extLst>
+              <a:ext uri="{FF2B5EF4-FFF2-40B4-BE49-F238E27FC236}">
+                <a16:creationId xmlns:a16="http://schemas.microsoft.com/office/drawing/2014/main" id="{7B1E8875-F510-470A-A500-11BCBE8DC5E2}"/>
+              </a:ext>
+            </a:extLst>
+          </p:cNvPr>
+          <p:cNvSpPr/>
+          <p:nvPr/>
+        </p:nvSpPr>
+        <p:spPr>
+          <a:xfrm>
+            <a:off x="1942309" y="4867537"/>
+            <a:ext cx="3240256" cy="1534749"/>
+          </a:xfrm>
+          <a:prstGeom prst="roundRect">
+            <a:avLst/>
+          </a:prstGeom>
+          <a:solidFill>
+            <a:schemeClr val="accent1">
+              <a:lumMod val="40000"/>
+              <a:lumOff val="60000"/>
+            </a:schemeClr>
+          </a:solidFill>
+        </p:spPr>
+        <p:style>
+          <a:lnRef idx="2">
+            <a:schemeClr val="accent1">
+              <a:shade val="50000"/>
+            </a:schemeClr>
+          </a:lnRef>
+          <a:fillRef idx="1">
+            <a:schemeClr val="accent1"/>
+          </a:fillRef>
+          <a:effectRef idx="0">
+            <a:schemeClr val="accent1"/>
+          </a:effectRef>
+          <a:fontRef idx="minor">
+            <a:schemeClr val="lt1"/>
+          </a:fontRef>
+        </p:style>
+        <p:txBody>
+          <a:bodyPr rtlCol="0" anchor="ctr"/>
+          <a:lstStyle/>
+          <a:p>
+            <a:pPr algn="ctr"/>
+            <a:endParaRPr lang="zh-CN" altLang="en-US"/>
+          </a:p>
+        </p:txBody>
+      </p:sp>
+      <p:sp>
+        <p:nvSpPr>
           <p:cNvPr id="4" name="文本框 3">
             <a:extLst>
               <a:ext uri="{FF2B5EF4-FFF2-40B4-BE49-F238E27FC236}">
@@ -3335,8 +3142,8 @@
         </p:nvSpPr>
         <p:spPr>
           <a:xfrm>
-            <a:off x="4996623" y="749919"/>
-            <a:ext cx="1518836" cy="369332"/>
+            <a:off x="354596" y="6790021"/>
+            <a:ext cx="400110" cy="1372754"/>
           </a:xfrm>
           <a:prstGeom prst="rect">
             <a:avLst/>
@@ -3344,15 +3151,18 @@
           <a:noFill/>
         </p:spPr>
         <p:txBody>
-          <a:bodyPr wrap="square" rtlCol="0">
+          <a:bodyPr vert="eaVert" wrap="square" rtlCol="0">
             <a:spAutoFit/>
           </a:bodyPr>
           <a:lstStyle/>
           <a:p>
             <a:pPr algn="ctr"/>
             <a:r>
-              <a:rPr lang="zh-CN" altLang="en-US" dirty="0"/>
-              <a:t>资方（公司）</a:t>
+              <a:rPr lang="zh-CN" altLang="en-US" sz="1400" b="1" dirty="0">
+                <a:latin typeface="微软雅黑" panose="020B0503020204020204" pitchFamily="34" charset="-122"/>
+                <a:ea typeface="微软雅黑" panose="020B0503020204020204" pitchFamily="34" charset="-122"/>
+              </a:rPr>
+              <a:t>资 方 （ 公 司 ）</a:t>
             </a:r>
           </a:p>
         </p:txBody>
@@ -3371,8 +3181,8 @@
         </p:nvSpPr>
         <p:spPr>
           <a:xfrm>
-            <a:off x="4996623" y="6151158"/>
-            <a:ext cx="1518836" cy="369332"/>
+            <a:off x="6250841" y="6512660"/>
+            <a:ext cx="400110" cy="1871628"/>
           </a:xfrm>
           <a:prstGeom prst="rect">
             <a:avLst/>
@@ -3380,15 +3190,18 @@
           <a:noFill/>
         </p:spPr>
         <p:txBody>
-          <a:bodyPr wrap="square" rtlCol="0">
+          <a:bodyPr vert="eaVert" wrap="square" rtlCol="0">
             <a:spAutoFit/>
           </a:bodyPr>
           <a:lstStyle/>
           <a:p>
             <a:pPr algn="ctr"/>
             <a:r>
-              <a:rPr lang="zh-CN" altLang="en-US" dirty="0"/>
-              <a:t>劳方（员工）</a:t>
+              <a:rPr lang="zh-CN" altLang="en-US" sz="1400" b="1" dirty="0">
+                <a:latin typeface="微软雅黑" panose="020B0503020204020204" pitchFamily="34" charset="-122"/>
+                <a:ea typeface="微软雅黑" panose="020B0503020204020204" pitchFamily="34" charset="-122"/>
+              </a:rPr>
+              <a:t>劳 方 （ 员 工 ）</a:t>
             </a:r>
           </a:p>
         </p:txBody>
@@ -3407,8 +3220,8 @@
         </p:nvSpPr>
         <p:spPr>
           <a:xfrm>
-            <a:off x="465441" y="1730749"/>
-            <a:ext cx="2797480" cy="923330"/>
+            <a:off x="1966202" y="5006021"/>
+            <a:ext cx="1821030" cy="738664"/>
           </a:xfrm>
           <a:prstGeom prst="rect">
             <a:avLst/>
@@ -3422,67 +3235,125 @@
           <a:lstStyle/>
           <a:p>
             <a:r>
-              <a:rPr lang="zh-CN" altLang="en-US" dirty="0"/>
-              <a:t>合同期</a:t>
-            </a:r>
-            <a:r>
-              <a:rPr lang="en-US" altLang="zh-CN" dirty="0"/>
-              <a:t>&lt;1</a:t>
-            </a:r>
-            <a:r>
-              <a:rPr lang="zh-CN" altLang="en-US" dirty="0"/>
-              <a:t>年，试用期</a:t>
-            </a:r>
-            <a:r>
-              <a:rPr lang="en-US" altLang="zh-CN" dirty="0"/>
-              <a:t>&lt;1</a:t>
-            </a:r>
-            <a:r>
-              <a:rPr lang="zh-CN" altLang="en-US" dirty="0"/>
+              <a:rPr lang="zh-CN" altLang="en-US" sz="1100" b="1" dirty="0">
+                <a:latin typeface="微软雅黑" panose="020B0503020204020204" pitchFamily="34" charset="-122"/>
+                <a:ea typeface="微软雅黑" panose="020B0503020204020204" pitchFamily="34" charset="-122"/>
+              </a:rPr>
+              <a:t>◆ 试用期</a:t>
+            </a:r>
+            <a:endParaRPr lang="en-US" altLang="zh-CN" sz="1100" b="1" dirty="0">
+              <a:latin typeface="微软雅黑" panose="020B0503020204020204" pitchFamily="34" charset="-122"/>
+              <a:ea typeface="微软雅黑" panose="020B0503020204020204" pitchFamily="34" charset="-122"/>
+            </a:endParaRPr>
+          </a:p>
+          <a:p>
+            <a:r>
+              <a:rPr lang="zh-CN" altLang="en-US" sz="1000" dirty="0">
+                <a:latin typeface="微软雅黑" panose="020B0503020204020204" pitchFamily="34" charset="-122"/>
+                <a:ea typeface="微软雅黑" panose="020B0503020204020204" pitchFamily="34" charset="-122"/>
+              </a:rPr>
+              <a:t>合同期 </a:t>
+            </a:r>
+            <a:r>
+              <a:rPr lang="en-US" altLang="zh-CN" sz="1000" dirty="0">
+                <a:latin typeface="微软雅黑" panose="020B0503020204020204" pitchFamily="34" charset="-122"/>
+                <a:ea typeface="微软雅黑" panose="020B0503020204020204" pitchFamily="34" charset="-122"/>
+              </a:rPr>
+              <a:t>&lt; 1</a:t>
+            </a:r>
+            <a:r>
+              <a:rPr lang="zh-CN" altLang="en-US" sz="1000" dirty="0">
+                <a:latin typeface="微软雅黑" panose="020B0503020204020204" pitchFamily="34" charset="-122"/>
+                <a:ea typeface="微软雅黑" panose="020B0503020204020204" pitchFamily="34" charset="-122"/>
+              </a:rPr>
+              <a:t>年，试用期 </a:t>
+            </a:r>
+            <a:r>
+              <a:rPr lang="en-US" altLang="zh-CN" sz="1000" dirty="0">
+                <a:latin typeface="微软雅黑" panose="020B0503020204020204" pitchFamily="34" charset="-122"/>
+                <a:ea typeface="微软雅黑" panose="020B0503020204020204" pitchFamily="34" charset="-122"/>
+              </a:rPr>
+              <a:t>&lt; 1</a:t>
+            </a:r>
+            <a:r>
+              <a:rPr lang="zh-CN" altLang="en-US" sz="1000" dirty="0">
+                <a:latin typeface="微软雅黑" panose="020B0503020204020204" pitchFamily="34" charset="-122"/>
+                <a:ea typeface="微软雅黑" panose="020B0503020204020204" pitchFamily="34" charset="-122"/>
+              </a:rPr>
               <a:t>月</a:t>
             </a:r>
           </a:p>
           <a:p>
             <a:r>
-              <a:rPr lang="zh-CN" altLang="en-US" dirty="0"/>
-              <a:t>合同期</a:t>
-            </a:r>
-            <a:r>
-              <a:rPr lang="en-US" altLang="zh-CN" dirty="0"/>
-              <a:t>&lt;3</a:t>
-            </a:r>
-            <a:r>
-              <a:rPr lang="zh-CN" altLang="en-US" dirty="0"/>
-              <a:t>年，试用期</a:t>
-            </a:r>
-            <a:r>
-              <a:rPr lang="en-US" altLang="zh-CN" dirty="0"/>
-              <a:t>&lt;2</a:t>
-            </a:r>
-            <a:r>
-              <a:rPr lang="zh-CN" altLang="en-US" dirty="0"/>
+              <a:rPr lang="zh-CN" altLang="en-US" sz="1000" dirty="0">
+                <a:latin typeface="微软雅黑" panose="020B0503020204020204" pitchFamily="34" charset="-122"/>
+                <a:ea typeface="微软雅黑" panose="020B0503020204020204" pitchFamily="34" charset="-122"/>
+              </a:rPr>
+              <a:t>合同期 </a:t>
+            </a:r>
+            <a:r>
+              <a:rPr lang="en-US" altLang="zh-CN" sz="1000" dirty="0">
+                <a:latin typeface="微软雅黑" panose="020B0503020204020204" pitchFamily="34" charset="-122"/>
+                <a:ea typeface="微软雅黑" panose="020B0503020204020204" pitchFamily="34" charset="-122"/>
+              </a:rPr>
+              <a:t>&lt; 3</a:t>
+            </a:r>
+            <a:r>
+              <a:rPr lang="zh-CN" altLang="en-US" sz="1000" dirty="0">
+                <a:latin typeface="微软雅黑" panose="020B0503020204020204" pitchFamily="34" charset="-122"/>
+                <a:ea typeface="微软雅黑" panose="020B0503020204020204" pitchFamily="34" charset="-122"/>
+              </a:rPr>
+              <a:t>年，试用期 </a:t>
+            </a:r>
+            <a:r>
+              <a:rPr lang="en-US" altLang="zh-CN" sz="1000" dirty="0">
+                <a:latin typeface="微软雅黑" panose="020B0503020204020204" pitchFamily="34" charset="-122"/>
+                <a:ea typeface="微软雅黑" panose="020B0503020204020204" pitchFamily="34" charset="-122"/>
+              </a:rPr>
+              <a:t>&lt; 2</a:t>
+            </a:r>
+            <a:r>
+              <a:rPr lang="zh-CN" altLang="en-US" sz="1000" dirty="0">
+                <a:latin typeface="微软雅黑" panose="020B0503020204020204" pitchFamily="34" charset="-122"/>
+                <a:ea typeface="微软雅黑" panose="020B0503020204020204" pitchFamily="34" charset="-122"/>
+              </a:rPr>
               <a:t>月</a:t>
             </a:r>
           </a:p>
           <a:p>
             <a:r>
-              <a:rPr lang="zh-CN" altLang="en-US" dirty="0"/>
-              <a:t>合同期</a:t>
-            </a:r>
-            <a:r>
-              <a:rPr lang="en-US" altLang="zh-CN" dirty="0"/>
-              <a:t>&gt;3</a:t>
-            </a:r>
-            <a:r>
-              <a:rPr lang="zh-CN" altLang="en-US" dirty="0"/>
-              <a:t>年，试用期</a:t>
-            </a:r>
-            <a:r>
-              <a:rPr lang="en-US" altLang="zh-CN" dirty="0"/>
-              <a:t>&lt;6</a:t>
-            </a:r>
-            <a:r>
-              <a:rPr lang="zh-CN" altLang="en-US" dirty="0"/>
+              <a:rPr lang="zh-CN" altLang="en-US" sz="1000" dirty="0">
+                <a:latin typeface="微软雅黑" panose="020B0503020204020204" pitchFamily="34" charset="-122"/>
+                <a:ea typeface="微软雅黑" panose="020B0503020204020204" pitchFamily="34" charset="-122"/>
+              </a:rPr>
+              <a:t>合同期 </a:t>
+            </a:r>
+            <a:r>
+              <a:rPr lang="en-US" altLang="zh-CN" sz="1000" dirty="0">
+                <a:latin typeface="微软雅黑" panose="020B0503020204020204" pitchFamily="34" charset="-122"/>
+                <a:ea typeface="微软雅黑" panose="020B0503020204020204" pitchFamily="34" charset="-122"/>
+              </a:rPr>
+              <a:t>&gt; 3</a:t>
+            </a:r>
+            <a:r>
+              <a:rPr lang="zh-CN" altLang="en-US" sz="1000" dirty="0">
+                <a:latin typeface="微软雅黑" panose="020B0503020204020204" pitchFamily="34" charset="-122"/>
+                <a:ea typeface="微软雅黑" panose="020B0503020204020204" pitchFamily="34" charset="-122"/>
+              </a:rPr>
+              <a:t>年，试用期 </a:t>
+            </a:r>
+            <a:r>
+              <a:rPr lang="en-US" altLang="zh-CN" sz="1000" dirty="0">
+                <a:latin typeface="微软雅黑" panose="020B0503020204020204" pitchFamily="34" charset="-122"/>
+                <a:ea typeface="微软雅黑" panose="020B0503020204020204" pitchFamily="34" charset="-122"/>
+              </a:rPr>
+              <a:t>&lt; 6</a:t>
+            </a:r>
+            <a:r>
+              <a:rPr lang="zh-CN" altLang="en-US" sz="1000" dirty="0">
+                <a:latin typeface="微软雅黑" panose="020B0503020204020204" pitchFamily="34" charset="-122"/>
+                <a:ea typeface="微软雅黑" panose="020B0503020204020204" pitchFamily="34" charset="-122"/>
+              </a:rPr>
               <a:t>月</a:t>
             </a:r>
           </a:p>
@@ -3502,8 +3373,8 @@
         </p:nvSpPr>
         <p:spPr>
           <a:xfrm>
-            <a:off x="7526058" y="2690336"/>
-            <a:ext cx="4440260" cy="2031325"/>
+            <a:off x="1904210" y="8409622"/>
+            <a:ext cx="3430358" cy="877163"/>
           </a:xfrm>
           <a:prstGeom prst="rect">
             <a:avLst/>
@@ -3517,47 +3388,80 @@
           <a:lstStyle/>
           <a:p>
             <a:r>
-              <a:rPr lang="zh-CN" altLang="en-US" dirty="0"/>
-              <a:t>离职</a:t>
-            </a:r>
-            <a:endParaRPr lang="en-US" altLang="zh-CN" dirty="0"/>
-          </a:p>
-          <a:p>
-            <a:r>
-              <a:rPr lang="en-US" altLang="zh-CN" dirty="0"/>
+              <a:rPr lang="zh-CN" altLang="en-US" sz="1100" b="1" dirty="0">
+                <a:latin typeface="微软雅黑" panose="020B0503020204020204" pitchFamily="34" charset="-122"/>
+                <a:ea typeface="微软雅黑" panose="020B0503020204020204" pitchFamily="34" charset="-122"/>
+              </a:rPr>
+              <a:t>◆ 离职</a:t>
+            </a:r>
+            <a:endParaRPr lang="en-US" altLang="zh-CN" sz="1100" b="1" dirty="0">
+              <a:latin typeface="微软雅黑" panose="020B0503020204020204" pitchFamily="34" charset="-122"/>
+              <a:ea typeface="微软雅黑" panose="020B0503020204020204" pitchFamily="34" charset="-122"/>
+            </a:endParaRPr>
+          </a:p>
+          <a:p>
+            <a:r>
+              <a:rPr lang="en-US" altLang="zh-CN" sz="1000" dirty="0">
+                <a:latin typeface="微软雅黑" panose="020B0503020204020204" pitchFamily="34" charset="-122"/>
+                <a:ea typeface="微软雅黑" panose="020B0503020204020204" pitchFamily="34" charset="-122"/>
+              </a:rPr>
               <a:t>1</a:t>
             </a:r>
             <a:r>
-              <a:rPr lang="zh-CN" altLang="en-US" dirty="0"/>
+              <a:rPr lang="zh-CN" altLang="en-US" sz="1000" dirty="0">
+                <a:latin typeface="微软雅黑" panose="020B0503020204020204" pitchFamily="34" charset="-122"/>
+                <a:ea typeface="微软雅黑" panose="020B0503020204020204" pitchFamily="34" charset="-122"/>
+              </a:rPr>
               <a:t>、员工提前 </a:t>
             </a:r>
             <a:r>
-              <a:rPr lang="en-US" altLang="zh-CN" dirty="0"/>
+              <a:rPr lang="en-US" altLang="zh-CN" sz="1000" dirty="0">
+                <a:latin typeface="微软雅黑" panose="020B0503020204020204" pitchFamily="34" charset="-122"/>
+                <a:ea typeface="微软雅黑" panose="020B0503020204020204" pitchFamily="34" charset="-122"/>
+              </a:rPr>
               <a:t>30 </a:t>
             </a:r>
             <a:r>
-              <a:rPr lang="zh-CN" altLang="en-US" dirty="0"/>
+              <a:rPr lang="zh-CN" altLang="en-US" sz="1000" dirty="0">
+                <a:latin typeface="微软雅黑" panose="020B0503020204020204" pitchFamily="34" charset="-122"/>
+                <a:ea typeface="微软雅黑" panose="020B0503020204020204" pitchFamily="34" charset="-122"/>
+              </a:rPr>
               <a:t>天提出书面离职申请，不需要公司批准。</a:t>
             </a:r>
-            <a:endParaRPr lang="en-US" altLang="zh-CN" dirty="0"/>
-          </a:p>
-          <a:p>
-            <a:r>
-              <a:rPr lang="en-US" altLang="zh-CN" dirty="0"/>
+            <a:endParaRPr lang="en-US" altLang="zh-CN" sz="1000" dirty="0">
+              <a:latin typeface="微软雅黑" panose="020B0503020204020204" pitchFamily="34" charset="-122"/>
+              <a:ea typeface="微软雅黑" panose="020B0503020204020204" pitchFamily="34" charset="-122"/>
+            </a:endParaRPr>
+          </a:p>
+          <a:p>
+            <a:r>
+              <a:rPr lang="en-US" altLang="zh-CN" sz="1000" dirty="0">
+                <a:latin typeface="微软雅黑" panose="020B0503020204020204" pitchFamily="34" charset="-122"/>
+                <a:ea typeface="微软雅黑" panose="020B0503020204020204" pitchFamily="34" charset="-122"/>
+              </a:rPr>
               <a:t>2</a:t>
             </a:r>
             <a:r>
-              <a:rPr lang="zh-CN" altLang="en-US" dirty="0"/>
+              <a:rPr lang="zh-CN" altLang="en-US" sz="1000" dirty="0">
+                <a:latin typeface="微软雅黑" panose="020B0503020204020204" pitchFamily="34" charset="-122"/>
+                <a:ea typeface="微软雅黑" panose="020B0503020204020204" pitchFamily="34" charset="-122"/>
+              </a:rPr>
               <a:t>、公司必须结清所有工资、奖金、报销款等费用。</a:t>
             </a:r>
           </a:p>
           <a:p>
             <a:r>
-              <a:rPr lang="en-US" altLang="zh-CN" dirty="0"/>
+              <a:rPr lang="en-US" altLang="zh-CN" sz="1000" dirty="0">
+                <a:latin typeface="微软雅黑" panose="020B0503020204020204" pitchFamily="34" charset="-122"/>
+                <a:ea typeface="微软雅黑" panose="020B0503020204020204" pitchFamily="34" charset="-122"/>
+              </a:rPr>
               <a:t>3</a:t>
             </a:r>
             <a:r>
-              <a:rPr lang="zh-CN" altLang="en-US" dirty="0"/>
+              <a:rPr lang="zh-CN" altLang="en-US" sz="1000" dirty="0">
+                <a:latin typeface="微软雅黑" panose="020B0503020204020204" pitchFamily="34" charset="-122"/>
+                <a:ea typeface="微软雅黑" panose="020B0503020204020204" pitchFamily="34" charset="-122"/>
+              </a:rPr>
               <a:t>、如果双方对于离职时间没有特别的约定，员工想离职，在任何时候都是主动的。</a:t>
             </a:r>
           </a:p>
@@ -3577,8 +3481,8 @@
         </p:nvSpPr>
         <p:spPr>
           <a:xfrm>
-            <a:off x="3986026" y="1389183"/>
-            <a:ext cx="3540031" cy="1477328"/>
+            <a:off x="1509400" y="6731974"/>
+            <a:ext cx="4093771" cy="569387"/>
           </a:xfrm>
           <a:prstGeom prst="rect">
             <a:avLst/>
@@ -3592,44 +3496,74 @@
           <a:lstStyle/>
           <a:p>
             <a:r>
-              <a:rPr lang="zh-CN" altLang="en-US" dirty="0"/>
-              <a:t>辞退</a:t>
-            </a:r>
-            <a:endParaRPr lang="en-US" altLang="zh-CN" dirty="0"/>
-          </a:p>
-          <a:p>
-            <a:r>
-              <a:rPr lang="en-US" altLang="zh-CN" dirty="0"/>
+              <a:rPr lang="zh-CN" altLang="en-US" sz="1100" b="1" dirty="0">
+                <a:latin typeface="微软雅黑" panose="020B0503020204020204" pitchFamily="34" charset="-122"/>
+                <a:ea typeface="微软雅黑" panose="020B0503020204020204" pitchFamily="34" charset="-122"/>
+              </a:rPr>
+              <a:t>◆ 辞退</a:t>
+            </a:r>
+            <a:endParaRPr lang="en-US" altLang="zh-CN" sz="1100" b="1" dirty="0">
+              <a:latin typeface="微软雅黑" panose="020B0503020204020204" pitchFamily="34" charset="-122"/>
+              <a:ea typeface="微软雅黑" panose="020B0503020204020204" pitchFamily="34" charset="-122"/>
+            </a:endParaRPr>
+          </a:p>
+          <a:p>
+            <a:r>
+              <a:rPr lang="en-US" altLang="zh-CN" sz="1000" dirty="0">
+                <a:latin typeface="微软雅黑" panose="020B0503020204020204" pitchFamily="34" charset="-122"/>
+                <a:ea typeface="微软雅黑" panose="020B0503020204020204" pitchFamily="34" charset="-122"/>
+              </a:rPr>
               <a:t>1</a:t>
             </a:r>
             <a:r>
-              <a:rPr lang="zh-CN" altLang="en-US" dirty="0"/>
+              <a:rPr lang="zh-CN" altLang="en-US" sz="1000" dirty="0">
+                <a:latin typeface="微软雅黑" panose="020B0503020204020204" pitchFamily="34" charset="-122"/>
+                <a:ea typeface="微软雅黑" panose="020B0503020204020204" pitchFamily="34" charset="-122"/>
+              </a:rPr>
               <a:t>、合同到期，公司决定不再续签，需要支付“</a:t>
             </a:r>
             <a:r>
-              <a:rPr lang="en-US" altLang="zh-CN" dirty="0"/>
+              <a:rPr lang="en-US" altLang="zh-CN" sz="1000" dirty="0">
+                <a:latin typeface="微软雅黑" panose="020B0503020204020204" pitchFamily="34" charset="-122"/>
+                <a:ea typeface="微软雅黑" panose="020B0503020204020204" pitchFamily="34" charset="-122"/>
+              </a:rPr>
               <a:t>N”</a:t>
             </a:r>
             <a:r>
-              <a:rPr lang="zh-CN" altLang="en-US" dirty="0"/>
+              <a:rPr lang="zh-CN" altLang="en-US" sz="1000" dirty="0">
+                <a:latin typeface="微软雅黑" panose="020B0503020204020204" pitchFamily="34" charset="-122"/>
+                <a:ea typeface="微软雅黑" panose="020B0503020204020204" pitchFamily="34" charset="-122"/>
+              </a:rPr>
               <a:t>个月工资的补偿金。</a:t>
             </a:r>
           </a:p>
           <a:p>
             <a:r>
-              <a:rPr lang="en-US" altLang="zh-CN" dirty="0"/>
+              <a:rPr lang="en-US" altLang="zh-CN" sz="1000" dirty="0">
+                <a:latin typeface="微软雅黑" panose="020B0503020204020204" pitchFamily="34" charset="-122"/>
+                <a:ea typeface="微软雅黑" panose="020B0503020204020204" pitchFamily="34" charset="-122"/>
+              </a:rPr>
               <a:t>2</a:t>
             </a:r>
             <a:r>
-              <a:rPr lang="zh-CN" altLang="en-US" dirty="0"/>
+              <a:rPr lang="zh-CN" altLang="en-US" sz="1000" dirty="0">
+                <a:latin typeface="微软雅黑" panose="020B0503020204020204" pitchFamily="34" charset="-122"/>
+                <a:ea typeface="微软雅黑" panose="020B0503020204020204" pitchFamily="34" charset="-122"/>
+              </a:rPr>
               <a:t>、在合同期内公司想解雇你，同样需要支付“</a:t>
             </a:r>
             <a:r>
-              <a:rPr lang="en-US" altLang="zh-CN" dirty="0"/>
+              <a:rPr lang="en-US" altLang="zh-CN" sz="1000" dirty="0">
+                <a:latin typeface="微软雅黑" panose="020B0503020204020204" pitchFamily="34" charset="-122"/>
+                <a:ea typeface="微软雅黑" panose="020B0503020204020204" pitchFamily="34" charset="-122"/>
+              </a:rPr>
               <a:t>N”</a:t>
             </a:r>
             <a:r>
-              <a:rPr lang="zh-CN" altLang="en-US" dirty="0"/>
+              <a:rPr lang="zh-CN" altLang="en-US" sz="1000" dirty="0">
+                <a:latin typeface="微软雅黑" panose="020B0503020204020204" pitchFamily="34" charset="-122"/>
+                <a:ea typeface="微软雅黑" panose="020B0503020204020204" pitchFamily="34" charset="-122"/>
+              </a:rPr>
               <a:t>个月工资的补偿金。</a:t>
             </a:r>
           </a:p>
@@ -3649,8 +3583,8 @@
         </p:nvSpPr>
         <p:spPr>
           <a:xfrm>
-            <a:off x="4125731" y="3190370"/>
-            <a:ext cx="3040309" cy="1477328"/>
+            <a:off x="1509400" y="7429424"/>
+            <a:ext cx="3383567" cy="569387"/>
           </a:xfrm>
           <a:prstGeom prst="rect">
             <a:avLst/>
@@ -3664,27 +3598,42 @@
           <a:lstStyle/>
           <a:p>
             <a:r>
-              <a:rPr lang="zh-CN" altLang="en-US" dirty="0"/>
-              <a:t>在合同期限内，企业合法辞退员工的理由只有两个：  </a:t>
-            </a:r>
-          </a:p>
-          <a:p>
-            <a:r>
-              <a:rPr lang="en-US" altLang="zh-CN" dirty="0"/>
+              <a:rPr lang="zh-CN" altLang="en-US" sz="1100" b="1" dirty="0">
+                <a:latin typeface="微软雅黑" panose="020B0503020204020204" pitchFamily="34" charset="-122"/>
+                <a:ea typeface="微软雅黑" panose="020B0503020204020204" pitchFamily="34" charset="-122"/>
+              </a:rPr>
+              <a:t>◆ 在合同期限内，企业合法辞退员工的理由只有两个  </a:t>
+            </a:r>
+          </a:p>
+          <a:p>
+            <a:r>
+              <a:rPr lang="en-US" altLang="zh-CN" sz="1000" dirty="0">
+                <a:latin typeface="微软雅黑" panose="020B0503020204020204" pitchFamily="34" charset="-122"/>
+                <a:ea typeface="微软雅黑" panose="020B0503020204020204" pitchFamily="34" charset="-122"/>
+              </a:rPr>
               <a:t>1</a:t>
             </a:r>
             <a:r>
-              <a:rPr lang="zh-CN" altLang="en-US" dirty="0"/>
+              <a:rPr lang="zh-CN" altLang="en-US" sz="1000" dirty="0">
+                <a:latin typeface="微软雅黑" panose="020B0503020204020204" pitchFamily="34" charset="-122"/>
+                <a:ea typeface="微软雅黑" panose="020B0503020204020204" pitchFamily="34" charset="-122"/>
+              </a:rPr>
               <a:t>、员工犯了错误。</a:t>
             </a:r>
           </a:p>
           <a:p>
             <a:r>
-              <a:rPr lang="en-US" altLang="zh-CN" dirty="0"/>
+              <a:rPr lang="en-US" altLang="zh-CN" sz="1000" dirty="0">
+                <a:latin typeface="微软雅黑" panose="020B0503020204020204" pitchFamily="34" charset="-122"/>
+                <a:ea typeface="微软雅黑" panose="020B0503020204020204" pitchFamily="34" charset="-122"/>
+              </a:rPr>
               <a:t>2</a:t>
             </a:r>
             <a:r>
-              <a:rPr lang="zh-CN" altLang="en-US" dirty="0"/>
+              <a:rPr lang="zh-CN" altLang="en-US" sz="1000" dirty="0">
+                <a:latin typeface="微软雅黑" panose="020B0503020204020204" pitchFamily="34" charset="-122"/>
+                <a:ea typeface="微软雅黑" panose="020B0503020204020204" pitchFamily="34" charset="-122"/>
+              </a:rPr>
               <a:t>、员工不合格，不能胜任这份工作。</a:t>
             </a:r>
           </a:p>
@@ -3704,8 +3653,8 @@
         </p:nvSpPr>
         <p:spPr>
           <a:xfrm>
-            <a:off x="225683" y="3429000"/>
-            <a:ext cx="3540031" cy="1200329"/>
+            <a:off x="1976207" y="5746713"/>
+            <a:ext cx="3240256" cy="569387"/>
           </a:xfrm>
           <a:prstGeom prst="rect">
             <a:avLst/>
@@ -3719,55 +3668,382 @@
           <a:lstStyle/>
           <a:p>
             <a:r>
-              <a:rPr lang="zh-CN" altLang="en-US" dirty="0"/>
-              <a:t>无固定期限劳动合同成立条件</a:t>
-            </a:r>
-            <a:endParaRPr lang="en-US" altLang="zh-CN" dirty="0"/>
-          </a:p>
-          <a:p>
-            <a:r>
-              <a:rPr lang="en-US" altLang="zh-CN" dirty="0"/>
+              <a:rPr lang="zh-CN" altLang="en-US" sz="1100" b="1" dirty="0">
+                <a:latin typeface="微软雅黑" panose="020B0503020204020204" pitchFamily="34" charset="-122"/>
+                <a:ea typeface="微软雅黑" panose="020B0503020204020204" pitchFamily="34" charset="-122"/>
+              </a:rPr>
+              <a:t>◆ 无固定期限劳动合同成立条件</a:t>
+            </a:r>
+            <a:endParaRPr lang="en-US" altLang="zh-CN" sz="1100" b="1" dirty="0">
+              <a:latin typeface="微软雅黑" panose="020B0503020204020204" pitchFamily="34" charset="-122"/>
+              <a:ea typeface="微软雅黑" panose="020B0503020204020204" pitchFamily="34" charset="-122"/>
+            </a:endParaRPr>
+          </a:p>
+          <a:p>
+            <a:r>
+              <a:rPr lang="en-US" altLang="zh-CN" sz="1000" dirty="0">
+                <a:latin typeface="微软雅黑" panose="020B0503020204020204" pitchFamily="34" charset="-122"/>
+                <a:ea typeface="微软雅黑" panose="020B0503020204020204" pitchFamily="34" charset="-122"/>
+              </a:rPr>
               <a:t>1</a:t>
             </a:r>
             <a:r>
-              <a:rPr lang="zh-CN" altLang="en-US" dirty="0"/>
+              <a:rPr lang="zh-CN" altLang="en-US" sz="1000" dirty="0">
+                <a:latin typeface="微软雅黑" panose="020B0503020204020204" pitchFamily="34" charset="-122"/>
+                <a:ea typeface="微软雅黑" panose="020B0503020204020204" pitchFamily="34" charset="-122"/>
+              </a:rPr>
               <a:t>、劳资双方是第 </a:t>
             </a:r>
             <a:r>
-              <a:rPr lang="en-US" altLang="zh-CN" dirty="0"/>
+              <a:rPr lang="en-US" altLang="zh-CN" sz="1000" dirty="0">
+                <a:latin typeface="微软雅黑" panose="020B0503020204020204" pitchFamily="34" charset="-122"/>
+                <a:ea typeface="微软雅黑" panose="020B0503020204020204" pitchFamily="34" charset="-122"/>
+              </a:rPr>
               <a:t>3 </a:t>
             </a:r>
             <a:r>
-              <a:rPr lang="zh-CN" altLang="en-US" dirty="0"/>
+              <a:rPr lang="zh-CN" altLang="en-US" sz="1000" dirty="0">
+                <a:latin typeface="微软雅黑" panose="020B0503020204020204" pitchFamily="34" charset="-122"/>
+                <a:ea typeface="微软雅黑" panose="020B0503020204020204" pitchFamily="34" charset="-122"/>
+              </a:rPr>
               <a:t>次签署劳动合同（第 </a:t>
             </a:r>
             <a:r>
-              <a:rPr lang="en-US" altLang="zh-CN" dirty="0"/>
+              <a:rPr lang="en-US" altLang="zh-CN" sz="1000" dirty="0">
+                <a:latin typeface="微软雅黑" panose="020B0503020204020204" pitchFamily="34" charset="-122"/>
+                <a:ea typeface="微软雅黑" panose="020B0503020204020204" pitchFamily="34" charset="-122"/>
+              </a:rPr>
               <a:t>2 </a:t>
             </a:r>
             <a:r>
-              <a:rPr lang="zh-CN" altLang="en-US" dirty="0"/>
+              <a:rPr lang="zh-CN" altLang="en-US" sz="1000" dirty="0">
+                <a:latin typeface="微软雅黑" panose="020B0503020204020204" pitchFamily="34" charset="-122"/>
+                <a:ea typeface="微软雅黑" panose="020B0503020204020204" pitchFamily="34" charset="-122"/>
+              </a:rPr>
               <a:t>次续签）。</a:t>
             </a:r>
-            <a:endParaRPr lang="en-US" altLang="zh-CN" dirty="0"/>
-          </a:p>
-          <a:p>
-            <a:r>
-              <a:rPr lang="en-US" altLang="zh-CN" dirty="0"/>
+            <a:endParaRPr lang="en-US" altLang="zh-CN" sz="1000" dirty="0">
+              <a:latin typeface="微软雅黑" panose="020B0503020204020204" pitchFamily="34" charset="-122"/>
+              <a:ea typeface="微软雅黑" panose="020B0503020204020204" pitchFamily="34" charset="-122"/>
+            </a:endParaRPr>
+          </a:p>
+          <a:p>
+            <a:r>
+              <a:rPr lang="en-US" altLang="zh-CN" sz="1000" dirty="0">
+                <a:latin typeface="微软雅黑" panose="020B0503020204020204" pitchFamily="34" charset="-122"/>
+                <a:ea typeface="微软雅黑" panose="020B0503020204020204" pitchFamily="34" charset="-122"/>
+              </a:rPr>
               <a:t>2</a:t>
             </a:r>
             <a:r>
-              <a:rPr lang="zh-CN" altLang="en-US" dirty="0"/>
+              <a:rPr lang="zh-CN" altLang="en-US" sz="1000" dirty="0">
+                <a:latin typeface="微软雅黑" panose="020B0503020204020204" pitchFamily="34" charset="-122"/>
+                <a:ea typeface="微软雅黑" panose="020B0503020204020204" pitchFamily="34" charset="-122"/>
+              </a:rPr>
               <a:t>、员工在本企业工作 </a:t>
             </a:r>
             <a:r>
-              <a:rPr lang="en-US" altLang="zh-CN" dirty="0"/>
+              <a:rPr lang="en-US" altLang="zh-CN" sz="1000" dirty="0">
+                <a:latin typeface="微软雅黑" panose="020B0503020204020204" pitchFamily="34" charset="-122"/>
+                <a:ea typeface="微软雅黑" panose="020B0503020204020204" pitchFamily="34" charset="-122"/>
+              </a:rPr>
               <a:t>10 </a:t>
             </a:r>
             <a:r>
-              <a:rPr lang="zh-CN" altLang="en-US" dirty="0"/>
+              <a:rPr lang="zh-CN" altLang="en-US" sz="1000" dirty="0">
+                <a:latin typeface="微软雅黑" panose="020B0503020204020204" pitchFamily="34" charset="-122"/>
+                <a:ea typeface="微软雅黑" panose="020B0503020204020204" pitchFamily="34" charset="-122"/>
+              </a:rPr>
               <a:t>年以上。</a:t>
             </a:r>
+          </a:p>
+        </p:txBody>
+      </p:sp>
+      <p:sp>
+        <p:nvSpPr>
+          <p:cNvPr id="2" name="箭头: 右 1">
+            <a:extLst>
+              <a:ext uri="{FF2B5EF4-FFF2-40B4-BE49-F238E27FC236}">
+                <a16:creationId xmlns:a16="http://schemas.microsoft.com/office/drawing/2014/main" id="{2EC1BCD3-AC6F-4296-AD58-011F30CAC5AB}"/>
+              </a:ext>
+            </a:extLst>
+          </p:cNvPr>
+          <p:cNvSpPr/>
+          <p:nvPr/>
+        </p:nvSpPr>
+        <p:spPr>
+          <a:xfrm rot="19200000">
+            <a:off x="747000" y="6292718"/>
+            <a:ext cx="1101512" cy="247697"/>
+          </a:xfrm>
+          <a:prstGeom prst="rightArrow">
+            <a:avLst/>
+          </a:prstGeom>
+        </p:spPr>
+        <p:style>
+          <a:lnRef idx="2">
+            <a:schemeClr val="accent1">
+              <a:shade val="50000"/>
+            </a:schemeClr>
+          </a:lnRef>
+          <a:fillRef idx="1">
+            <a:schemeClr val="accent1"/>
+          </a:fillRef>
+          <a:effectRef idx="0">
+            <a:schemeClr val="accent1"/>
+          </a:effectRef>
+          <a:fontRef idx="minor">
+            <a:schemeClr val="lt1"/>
+          </a:fontRef>
+        </p:style>
+        <p:txBody>
+          <a:bodyPr rtlCol="0" anchor="ctr"/>
+          <a:lstStyle/>
+          <a:p>
+            <a:pPr algn="ctr"/>
+            <a:endParaRPr lang="zh-CN" altLang="en-US"/>
+          </a:p>
+        </p:txBody>
+      </p:sp>
+      <p:sp>
+        <p:nvSpPr>
+          <p:cNvPr id="12" name="箭头: 右 11">
+            <a:extLst>
+              <a:ext uri="{FF2B5EF4-FFF2-40B4-BE49-F238E27FC236}">
+                <a16:creationId xmlns:a16="http://schemas.microsoft.com/office/drawing/2014/main" id="{1E95939A-73C5-442B-992F-831AD4D51533}"/>
+              </a:ext>
+            </a:extLst>
+          </p:cNvPr>
+          <p:cNvSpPr/>
+          <p:nvPr/>
+        </p:nvSpPr>
+        <p:spPr>
+          <a:xfrm rot="2400000">
+            <a:off x="5157398" y="6236109"/>
+            <a:ext cx="1271136" cy="247697"/>
+          </a:xfrm>
+          <a:prstGeom prst="rightArrow">
+            <a:avLst/>
+          </a:prstGeom>
+        </p:spPr>
+        <p:style>
+          <a:lnRef idx="2">
+            <a:schemeClr val="accent1">
+              <a:shade val="50000"/>
+            </a:schemeClr>
+          </a:lnRef>
+          <a:fillRef idx="1">
+            <a:schemeClr val="accent1"/>
+          </a:fillRef>
+          <a:effectRef idx="0">
+            <a:schemeClr val="accent1"/>
+          </a:effectRef>
+          <a:fontRef idx="minor">
+            <a:schemeClr val="lt1"/>
+          </a:fontRef>
+        </p:style>
+        <p:txBody>
+          <a:bodyPr rtlCol="0" anchor="ctr"/>
+          <a:lstStyle/>
+          <a:p>
+            <a:pPr algn="ctr"/>
+            <a:endParaRPr lang="zh-CN" altLang="en-US"/>
+          </a:p>
+        </p:txBody>
+      </p:sp>
+      <p:sp>
+        <p:nvSpPr>
+          <p:cNvPr id="13" name="箭头: 右 12">
+            <a:extLst>
+              <a:ext uri="{FF2B5EF4-FFF2-40B4-BE49-F238E27FC236}">
+                <a16:creationId xmlns:a16="http://schemas.microsoft.com/office/drawing/2014/main" id="{428EA335-DB90-4AB7-B9F3-51AEBF4E42AA}"/>
+              </a:ext>
+            </a:extLst>
+          </p:cNvPr>
+          <p:cNvSpPr/>
+          <p:nvPr/>
+        </p:nvSpPr>
+        <p:spPr>
+          <a:xfrm>
+            <a:off x="800318" y="7236025"/>
+            <a:ext cx="628650" cy="247697"/>
+          </a:xfrm>
+          <a:prstGeom prst="rightArrow">
+            <a:avLst/>
+          </a:prstGeom>
+          <a:solidFill>
+            <a:srgbClr val="FF0000"/>
+          </a:solidFill>
+        </p:spPr>
+        <p:style>
+          <a:lnRef idx="2">
+            <a:schemeClr val="accent1">
+              <a:shade val="50000"/>
+            </a:schemeClr>
+          </a:lnRef>
+          <a:fillRef idx="1">
+            <a:schemeClr val="accent1"/>
+          </a:fillRef>
+          <a:effectRef idx="0">
+            <a:schemeClr val="accent1"/>
+          </a:effectRef>
+          <a:fontRef idx="minor">
+            <a:schemeClr val="lt1"/>
+          </a:fontRef>
+        </p:style>
+        <p:txBody>
+          <a:bodyPr rtlCol="0" anchor="ctr"/>
+          <a:lstStyle/>
+          <a:p>
+            <a:pPr algn="ctr"/>
+            <a:endParaRPr lang="zh-CN" altLang="en-US"/>
+          </a:p>
+        </p:txBody>
+      </p:sp>
+      <p:sp>
+        <p:nvSpPr>
+          <p:cNvPr id="14" name="箭头: 右 13">
+            <a:extLst>
+              <a:ext uri="{FF2B5EF4-FFF2-40B4-BE49-F238E27FC236}">
+                <a16:creationId xmlns:a16="http://schemas.microsoft.com/office/drawing/2014/main" id="{065AAB51-474D-4087-87F9-20D4E3B9EB9D}"/>
+              </a:ext>
+            </a:extLst>
+          </p:cNvPr>
+          <p:cNvSpPr/>
+          <p:nvPr/>
+        </p:nvSpPr>
+        <p:spPr>
+          <a:xfrm>
+            <a:off x="5643948" y="7236025"/>
+            <a:ext cx="628650" cy="247697"/>
+          </a:xfrm>
+          <a:prstGeom prst="rightArrow">
+            <a:avLst/>
+          </a:prstGeom>
+          <a:solidFill>
+            <a:srgbClr val="FF0000"/>
+          </a:solidFill>
+        </p:spPr>
+        <p:style>
+          <a:lnRef idx="2">
+            <a:schemeClr val="accent1">
+              <a:shade val="50000"/>
+            </a:schemeClr>
+          </a:lnRef>
+          <a:fillRef idx="1">
+            <a:schemeClr val="accent1"/>
+          </a:fillRef>
+          <a:effectRef idx="0">
+            <a:schemeClr val="accent1"/>
+          </a:effectRef>
+          <a:fontRef idx="minor">
+            <a:schemeClr val="lt1"/>
+          </a:fontRef>
+        </p:style>
+        <p:txBody>
+          <a:bodyPr rtlCol="0" anchor="ctr"/>
+          <a:lstStyle/>
+          <a:p>
+            <a:pPr algn="ctr"/>
+            <a:endParaRPr lang="zh-CN" altLang="en-US"/>
+          </a:p>
+        </p:txBody>
+      </p:sp>
+      <p:sp>
+        <p:nvSpPr>
+          <p:cNvPr id="15" name="箭头: 右 14">
+            <a:extLst>
+              <a:ext uri="{FF2B5EF4-FFF2-40B4-BE49-F238E27FC236}">
+                <a16:creationId xmlns:a16="http://schemas.microsoft.com/office/drawing/2014/main" id="{266B819B-DF2B-4515-AC33-72CC99CAEEA7}"/>
+              </a:ext>
+            </a:extLst>
+          </p:cNvPr>
+          <p:cNvSpPr/>
+          <p:nvPr/>
+        </p:nvSpPr>
+        <p:spPr>
+          <a:xfrm rot="8400000">
+            <a:off x="5317074" y="8270178"/>
+            <a:ext cx="1113144" cy="247697"/>
+          </a:xfrm>
+          <a:prstGeom prst="rightArrow">
+            <a:avLst/>
+          </a:prstGeom>
+          <a:solidFill>
+            <a:srgbClr val="00B050"/>
+          </a:solidFill>
+        </p:spPr>
+        <p:style>
+          <a:lnRef idx="2">
+            <a:schemeClr val="accent1">
+              <a:shade val="50000"/>
+            </a:schemeClr>
+          </a:lnRef>
+          <a:fillRef idx="1">
+            <a:schemeClr val="accent1"/>
+          </a:fillRef>
+          <a:effectRef idx="0">
+            <a:schemeClr val="accent1"/>
+          </a:effectRef>
+          <a:fontRef idx="minor">
+            <a:schemeClr val="lt1"/>
+          </a:fontRef>
+        </p:style>
+        <p:txBody>
+          <a:bodyPr rtlCol="0" anchor="ctr"/>
+          <a:lstStyle/>
+          <a:p>
+            <a:pPr algn="ctr"/>
+            <a:endParaRPr lang="zh-CN" altLang="en-US"/>
+          </a:p>
+        </p:txBody>
+      </p:sp>
+      <p:sp>
+        <p:nvSpPr>
+          <p:cNvPr id="16" name="箭头: 右 15">
+            <a:extLst>
+              <a:ext uri="{FF2B5EF4-FFF2-40B4-BE49-F238E27FC236}">
+                <a16:creationId xmlns:a16="http://schemas.microsoft.com/office/drawing/2014/main" id="{4FF98ACD-8572-42EE-BF0E-E72D7D349FD1}"/>
+              </a:ext>
+            </a:extLst>
+          </p:cNvPr>
+          <p:cNvSpPr/>
+          <p:nvPr/>
+        </p:nvSpPr>
+        <p:spPr>
+          <a:xfrm rot="13200000">
+            <a:off x="712996" y="8385948"/>
+            <a:ext cx="1283939" cy="247697"/>
+          </a:xfrm>
+          <a:prstGeom prst="rightArrow">
+            <a:avLst/>
+          </a:prstGeom>
+          <a:solidFill>
+            <a:srgbClr val="00B050"/>
+          </a:solidFill>
+        </p:spPr>
+        <p:style>
+          <a:lnRef idx="2">
+            <a:schemeClr val="accent1">
+              <a:shade val="50000"/>
+            </a:schemeClr>
+          </a:lnRef>
+          <a:fillRef idx="1">
+            <a:schemeClr val="accent1"/>
+          </a:fillRef>
+          <a:effectRef idx="0">
+            <a:schemeClr val="accent1"/>
+          </a:effectRef>
+          <a:fontRef idx="minor">
+            <a:schemeClr val="lt1"/>
+          </a:fontRef>
+        </p:style>
+        <p:txBody>
+          <a:bodyPr rtlCol="0" anchor="ctr"/>
+          <a:lstStyle/>
+          <a:p>
+            <a:pPr algn="ctr"/>
+            <a:endParaRPr lang="zh-CN" altLang="en-US"/>
           </a:p>
         </p:txBody>
       </p:sp>
@@ -3784,10 +4060,90 @@
 </p:sld>
 </file>
 
+<file path=ppt/slides/slide2.xml><?xml version="1.0" encoding="utf-8"?>
+<p:sld xmlns:a="http://schemas.openxmlformats.org/drawingml/2006/main" xmlns:r="http://schemas.openxmlformats.org/officeDocument/2006/relationships" xmlns:p="http://schemas.openxmlformats.org/presentationml/2006/main">
+  <p:cSld>
+    <p:spTree>
+      <p:nvGrpSpPr>
+        <p:cNvPr id="1" name=""/>
+        <p:cNvGrpSpPr/>
+        <p:nvPr/>
+      </p:nvGrpSpPr>
+      <p:grpSpPr>
+        <a:xfrm>
+          <a:off x="0" y="0"/>
+          <a:ext cx="0" cy="0"/>
+          <a:chOff x="0" y="0"/>
+          <a:chExt cx="0" cy="0"/>
+        </a:xfrm>
+      </p:grpSpPr>
+      <p:sp>
+        <p:nvSpPr>
+          <p:cNvPr id="2" name="标题 1">
+            <a:extLst>
+              <a:ext uri="{FF2B5EF4-FFF2-40B4-BE49-F238E27FC236}">
+                <a16:creationId xmlns:a16="http://schemas.microsoft.com/office/drawing/2014/main" id="{6177FB09-ED2B-42C0-AA82-A1EAB2B55D66}"/>
+              </a:ext>
+            </a:extLst>
+          </p:cNvPr>
+          <p:cNvSpPr>
+            <a:spLocks noGrp="1"/>
+          </p:cNvSpPr>
+          <p:nvPr>
+            <p:ph type="title"/>
+          </p:nvPr>
+        </p:nvSpPr>
+        <p:spPr/>
+        <p:txBody>
+          <a:bodyPr/>
+          <a:lstStyle/>
+          <a:p>
+            <a:endParaRPr lang="zh-CN" altLang="en-US" dirty="0"/>
+          </a:p>
+        </p:txBody>
+      </p:sp>
+      <p:sp>
+        <p:nvSpPr>
+          <p:cNvPr id="3" name="内容占位符 2">
+            <a:extLst>
+              <a:ext uri="{FF2B5EF4-FFF2-40B4-BE49-F238E27FC236}">
+                <a16:creationId xmlns:a16="http://schemas.microsoft.com/office/drawing/2014/main" id="{7750CBA7-6F0E-4BF6-A019-BD7118B70009}"/>
+              </a:ext>
+            </a:extLst>
+          </p:cNvPr>
+          <p:cNvSpPr>
+            <a:spLocks noGrp="1"/>
+          </p:cNvSpPr>
+          <p:nvPr>
+            <p:ph idx="1"/>
+          </p:nvPr>
+        </p:nvSpPr>
+        <p:spPr/>
+        <p:txBody>
+          <a:bodyPr/>
+          <a:lstStyle/>
+          <a:p>
+            <a:endParaRPr lang="zh-CN" altLang="en-US"/>
+          </a:p>
+        </p:txBody>
+      </p:sp>
+    </p:spTree>
+    <p:extLst>
+      <p:ext uri="{BB962C8B-B14F-4D97-AF65-F5344CB8AC3E}">
+        <p14:creationId xmlns:p14="http://schemas.microsoft.com/office/powerpoint/2010/main" val="324797068"/>
+      </p:ext>
+    </p:extLst>
+  </p:cSld>
+  <p:clrMapOvr>
+    <a:masterClrMapping/>
+  </p:clrMapOvr>
+</p:sld>
+</file>
+
 <file path=ppt/theme/theme1.xml><?xml version="1.0" encoding="utf-8"?>
 <a:theme xmlns:a="http://schemas.openxmlformats.org/drawingml/2006/main" name="Office 主题​​">
   <a:themeElements>
-    <a:clrScheme name="Office">
+    <a:clrScheme name="Office 主题​​">
       <a:dk1>
         <a:sysClr val="windowText" lastClr="000000"/>
       </a:dk1>
@@ -3825,9 +4181,9 @@
         <a:srgbClr val="954F72"/>
       </a:folHlink>
     </a:clrScheme>
-    <a:fontScheme name="Office">
+    <a:fontScheme name="Office 主题​​">
       <a:majorFont>
-        <a:latin typeface="等线 Light" panose="020F0302020204030204"/>
+        <a:latin typeface="Calibri Light" panose="020F0302020204030204"/>
         <a:ea typeface=""/>
         <a:cs typeface=""/>
         <a:font script="Jpan" typeface="游ゴシック Light"/>
@@ -3860,26 +4216,9 @@
         <a:font script="Viet" typeface="Times New Roman"/>
         <a:font script="Uigh" typeface="Microsoft Uighur"/>
         <a:font script="Geor" typeface="Sylfaen"/>
-        <a:font script="Armn" typeface="Arial"/>
-        <a:font script="Bugi" typeface="Leelawadee UI"/>
-        <a:font script="Bopo" typeface="Microsoft JhengHei"/>
-        <a:font script="Java" typeface="Javanese Text"/>
-        <a:font script="Lisu" typeface="Segoe UI"/>
-        <a:font script="Mymr" typeface="Myanmar Text"/>
-        <a:font script="Nkoo" typeface="Ebrima"/>
-        <a:font script="Olck" typeface="Nirmala UI"/>
-        <a:font script="Osma" typeface="Ebrima"/>
-        <a:font script="Phag" typeface="Phagspa"/>
-        <a:font script="Syrn" typeface="Estrangelo Edessa"/>
-        <a:font script="Syrj" typeface="Estrangelo Edessa"/>
-        <a:font script="Syre" typeface="Estrangelo Edessa"/>
-        <a:font script="Sora" typeface="Nirmala UI"/>
-        <a:font script="Tale" typeface="Microsoft Tai Le"/>
-        <a:font script="Talu" typeface="Microsoft New Tai Lue"/>
-        <a:font script="Tfng" typeface="Ebrima"/>
       </a:majorFont>
       <a:minorFont>
-        <a:latin typeface="等线" panose="020F0502020204030204"/>
+        <a:latin typeface="Calibri" panose="020F0502020204030204"/>
         <a:ea typeface=""/>
         <a:cs typeface=""/>
         <a:font script="Jpan" typeface="游ゴシック"/>
@@ -3912,26 +4251,9 @@
         <a:font script="Viet" typeface="Arial"/>
         <a:font script="Uigh" typeface="Microsoft Uighur"/>
         <a:font script="Geor" typeface="Sylfaen"/>
-        <a:font script="Armn" typeface="Arial"/>
-        <a:font script="Bugi" typeface="Leelawadee UI"/>
-        <a:font script="Bopo" typeface="Microsoft JhengHei"/>
-        <a:font script="Java" typeface="Javanese Text"/>
-        <a:font script="Lisu" typeface="Segoe UI"/>
-        <a:font script="Mymr" typeface="Myanmar Text"/>
-        <a:font script="Nkoo" typeface="Ebrima"/>
-        <a:font script="Olck" typeface="Nirmala UI"/>
-        <a:font script="Osma" typeface="Ebrima"/>
-        <a:font script="Phag" typeface="Phagspa"/>
-        <a:font script="Syrn" typeface="Estrangelo Edessa"/>
-        <a:font script="Syrj" typeface="Estrangelo Edessa"/>
-        <a:font script="Syre" typeface="Estrangelo Edessa"/>
-        <a:font script="Sora" typeface="Nirmala UI"/>
-        <a:font script="Tale" typeface="Microsoft Tai Le"/>
-        <a:font script="Talu" typeface="Microsoft New Tai Lue"/>
-        <a:font script="Tfng" typeface="Ebrima"/>
       </a:minorFont>
     </a:fontScheme>
-    <a:fmtScheme name="Office">
+    <a:fmtScheme name="Office 主题​​">
       <a:fillStyleLst>
         <a:solidFill>
           <a:schemeClr val="phClr"/>
